--- a/reff/PPT.pptx
+++ b/reff/PPT.pptx
@@ -7,12 +7,14 @@
   <p:sldIdLst>
     <p:sldId id="256" r:id="rId2"/>
     <p:sldId id="257" r:id="rId3"/>
-    <p:sldId id="258" r:id="rId4"/>
-    <p:sldId id="259" r:id="rId5"/>
-    <p:sldId id="260" r:id="rId6"/>
-    <p:sldId id="261" r:id="rId7"/>
-    <p:sldId id="262" r:id="rId8"/>
-    <p:sldId id="263" r:id="rId9"/>
+    <p:sldId id="264" r:id="rId4"/>
+    <p:sldId id="258" r:id="rId5"/>
+    <p:sldId id="265" r:id="rId6"/>
+    <p:sldId id="259" r:id="rId7"/>
+    <p:sldId id="260" r:id="rId8"/>
+    <p:sldId id="261" r:id="rId9"/>
+    <p:sldId id="262" r:id="rId10"/>
+    <p:sldId id="263" r:id="rId11"/>
   </p:sldIdLst>
   <p:sldSz cx="12192000" cy="6858000"/>
   <p:notesSz cx="6858000" cy="9144000"/>
@@ -118,7 +120,9 @@
           <p14:sldIdLst>
             <p14:sldId id="256"/>
             <p14:sldId id="257"/>
+            <p14:sldId id="264"/>
             <p14:sldId id="258"/>
+            <p14:sldId id="265"/>
             <p14:sldId id="259"/>
             <p14:sldId id="260"/>
             <p14:sldId id="261"/>
@@ -188,10 +192,9 @@
           </a:lstStyle>
           <a:p>
             <a:r>
-              <a:rPr lang="zh-TW" altLang="en-US" smtClean="0"/>
+              <a:rPr lang="zh-TW" altLang="en-US"/>
               <a:t>按一下以編輯母片標題樣式</a:t>
             </a:r>
-            <a:endParaRPr lang="zh-TW" altLang="en-US"/>
           </a:p>
         </p:txBody>
       </p:sp>
@@ -253,10 +256,9 @@
           </a:lstStyle>
           <a:p>
             <a:r>
-              <a:rPr lang="zh-TW" altLang="en-US" smtClean="0"/>
+              <a:rPr lang="zh-TW" altLang="en-US"/>
               <a:t>按一下以編輯母片副標題樣式</a:t>
             </a:r>
-            <a:endParaRPr lang="zh-TW" altLang="en-US"/>
           </a:p>
         </p:txBody>
       </p:sp>
@@ -371,10 +373,9 @@
           <a:lstStyle/>
           <a:p>
             <a:r>
-              <a:rPr lang="zh-TW" altLang="en-US" smtClean="0"/>
+              <a:rPr lang="zh-TW" altLang="en-US"/>
               <a:t>按一下以編輯母片標題樣式</a:t>
             </a:r>
-            <a:endParaRPr lang="zh-TW" altLang="en-US"/>
           </a:p>
         </p:txBody>
       </p:sp>
@@ -395,38 +396,37 @@
           <a:p>
             <a:pPr lvl="0"/>
             <a:r>
-              <a:rPr lang="zh-TW" altLang="en-US" smtClean="0"/>
+              <a:rPr lang="zh-TW" altLang="en-US"/>
               <a:t>編輯母片文字樣式</a:t>
             </a:r>
           </a:p>
           <a:p>
             <a:pPr lvl="1"/>
             <a:r>
-              <a:rPr lang="zh-TW" altLang="en-US" smtClean="0"/>
+              <a:rPr lang="zh-TW" altLang="en-US"/>
               <a:t>第二層</a:t>
             </a:r>
           </a:p>
           <a:p>
             <a:pPr lvl="2"/>
             <a:r>
-              <a:rPr lang="zh-TW" altLang="en-US" smtClean="0"/>
+              <a:rPr lang="zh-TW" altLang="en-US"/>
               <a:t>第三層</a:t>
             </a:r>
           </a:p>
           <a:p>
             <a:pPr lvl="3"/>
             <a:r>
-              <a:rPr lang="zh-TW" altLang="en-US" smtClean="0"/>
+              <a:rPr lang="zh-TW" altLang="en-US"/>
               <a:t>第四層</a:t>
             </a:r>
           </a:p>
           <a:p>
             <a:pPr lvl="4"/>
             <a:r>
-              <a:rPr lang="zh-TW" altLang="en-US" smtClean="0"/>
+              <a:rPr lang="zh-TW" altLang="en-US"/>
               <a:t>第五層</a:t>
             </a:r>
-            <a:endParaRPr lang="zh-TW" altLang="en-US"/>
           </a:p>
         </p:txBody>
       </p:sp>
@@ -546,10 +546,9 @@
           <a:lstStyle/>
           <a:p>
             <a:r>
-              <a:rPr lang="zh-TW" altLang="en-US" smtClean="0"/>
+              <a:rPr lang="zh-TW" altLang="en-US"/>
               <a:t>按一下以編輯母片標題樣式</a:t>
             </a:r>
-            <a:endParaRPr lang="zh-TW" altLang="en-US"/>
           </a:p>
         </p:txBody>
       </p:sp>
@@ -575,38 +574,37 @@
           <a:p>
             <a:pPr lvl="0"/>
             <a:r>
-              <a:rPr lang="zh-TW" altLang="en-US" smtClean="0"/>
+              <a:rPr lang="zh-TW" altLang="en-US"/>
               <a:t>編輯母片文字樣式</a:t>
             </a:r>
           </a:p>
           <a:p>
             <a:pPr lvl="1"/>
             <a:r>
-              <a:rPr lang="zh-TW" altLang="en-US" smtClean="0"/>
+              <a:rPr lang="zh-TW" altLang="en-US"/>
               <a:t>第二層</a:t>
             </a:r>
           </a:p>
           <a:p>
             <a:pPr lvl="2"/>
             <a:r>
-              <a:rPr lang="zh-TW" altLang="en-US" smtClean="0"/>
+              <a:rPr lang="zh-TW" altLang="en-US"/>
               <a:t>第三層</a:t>
             </a:r>
           </a:p>
           <a:p>
             <a:pPr lvl="3"/>
             <a:r>
-              <a:rPr lang="zh-TW" altLang="en-US" smtClean="0"/>
+              <a:rPr lang="zh-TW" altLang="en-US"/>
               <a:t>第四層</a:t>
             </a:r>
           </a:p>
           <a:p>
             <a:pPr lvl="4"/>
             <a:r>
-              <a:rPr lang="zh-TW" altLang="en-US" smtClean="0"/>
+              <a:rPr lang="zh-TW" altLang="en-US"/>
               <a:t>第五層</a:t>
             </a:r>
-            <a:endParaRPr lang="zh-TW" altLang="en-US"/>
           </a:p>
         </p:txBody>
       </p:sp>
@@ -721,10 +719,9 @@
           <a:lstStyle/>
           <a:p>
             <a:r>
-              <a:rPr lang="zh-TW" altLang="en-US" smtClean="0"/>
+              <a:rPr lang="zh-TW" altLang="en-US"/>
               <a:t>按一下以編輯母片標題樣式</a:t>
             </a:r>
-            <a:endParaRPr lang="zh-TW" altLang="en-US"/>
           </a:p>
         </p:txBody>
       </p:sp>
@@ -745,38 +742,37 @@
           <a:p>
             <a:pPr lvl="0"/>
             <a:r>
-              <a:rPr lang="zh-TW" altLang="en-US" smtClean="0"/>
+              <a:rPr lang="zh-TW" altLang="en-US"/>
               <a:t>編輯母片文字樣式</a:t>
             </a:r>
           </a:p>
           <a:p>
             <a:pPr lvl="1"/>
             <a:r>
-              <a:rPr lang="zh-TW" altLang="en-US" smtClean="0"/>
+              <a:rPr lang="zh-TW" altLang="en-US"/>
               <a:t>第二層</a:t>
             </a:r>
           </a:p>
           <a:p>
             <a:pPr lvl="2"/>
             <a:r>
-              <a:rPr lang="zh-TW" altLang="en-US" smtClean="0"/>
+              <a:rPr lang="zh-TW" altLang="en-US"/>
               <a:t>第三層</a:t>
             </a:r>
           </a:p>
           <a:p>
             <a:pPr lvl="3"/>
             <a:r>
-              <a:rPr lang="zh-TW" altLang="en-US" smtClean="0"/>
+              <a:rPr lang="zh-TW" altLang="en-US"/>
               <a:t>第四層</a:t>
             </a:r>
           </a:p>
           <a:p>
             <a:pPr lvl="4"/>
             <a:r>
-              <a:rPr lang="zh-TW" altLang="en-US" smtClean="0"/>
+              <a:rPr lang="zh-TW" altLang="en-US"/>
               <a:t>第五層</a:t>
             </a:r>
-            <a:endParaRPr lang="zh-TW" altLang="en-US"/>
           </a:p>
         </p:txBody>
       </p:sp>
@@ -900,10 +896,9 @@
           </a:lstStyle>
           <a:p>
             <a:r>
-              <a:rPr lang="zh-TW" altLang="en-US" smtClean="0"/>
+              <a:rPr lang="zh-TW" altLang="en-US"/>
               <a:t>按一下以編輯母片標題樣式</a:t>
             </a:r>
-            <a:endParaRPr lang="zh-TW" altLang="en-US"/>
           </a:p>
         </p:txBody>
       </p:sp>
@@ -1020,7 +1015,7 @@
           <a:p>
             <a:pPr lvl="0"/>
             <a:r>
-              <a:rPr lang="zh-TW" altLang="en-US" smtClean="0"/>
+              <a:rPr lang="zh-TW" altLang="en-US"/>
               <a:t>編輯母片文字樣式</a:t>
             </a:r>
           </a:p>
@@ -1137,10 +1132,9 @@
           <a:lstStyle/>
           <a:p>
             <a:r>
-              <a:rPr lang="zh-TW" altLang="en-US" smtClean="0"/>
+              <a:rPr lang="zh-TW" altLang="en-US"/>
               <a:t>按一下以編輯母片標題樣式</a:t>
             </a:r>
-            <a:endParaRPr lang="zh-TW" altLang="en-US"/>
           </a:p>
         </p:txBody>
       </p:sp>
@@ -1166,38 +1160,37 @@
           <a:p>
             <a:pPr lvl="0"/>
             <a:r>
-              <a:rPr lang="zh-TW" altLang="en-US" smtClean="0"/>
+              <a:rPr lang="zh-TW" altLang="en-US"/>
               <a:t>編輯母片文字樣式</a:t>
             </a:r>
           </a:p>
           <a:p>
             <a:pPr lvl="1"/>
             <a:r>
-              <a:rPr lang="zh-TW" altLang="en-US" smtClean="0"/>
+              <a:rPr lang="zh-TW" altLang="en-US"/>
               <a:t>第二層</a:t>
             </a:r>
           </a:p>
           <a:p>
             <a:pPr lvl="2"/>
             <a:r>
-              <a:rPr lang="zh-TW" altLang="en-US" smtClean="0"/>
+              <a:rPr lang="zh-TW" altLang="en-US"/>
               <a:t>第三層</a:t>
             </a:r>
           </a:p>
           <a:p>
             <a:pPr lvl="3"/>
             <a:r>
-              <a:rPr lang="zh-TW" altLang="en-US" smtClean="0"/>
+              <a:rPr lang="zh-TW" altLang="en-US"/>
               <a:t>第四層</a:t>
             </a:r>
           </a:p>
           <a:p>
             <a:pPr lvl="4"/>
             <a:r>
-              <a:rPr lang="zh-TW" altLang="en-US" smtClean="0"/>
+              <a:rPr lang="zh-TW" altLang="en-US"/>
               <a:t>第五層</a:t>
             </a:r>
-            <a:endParaRPr lang="zh-TW" altLang="en-US"/>
           </a:p>
         </p:txBody>
       </p:sp>
@@ -1223,38 +1216,37 @@
           <a:p>
             <a:pPr lvl="0"/>
             <a:r>
-              <a:rPr lang="zh-TW" altLang="en-US" smtClean="0"/>
+              <a:rPr lang="zh-TW" altLang="en-US"/>
               <a:t>編輯母片文字樣式</a:t>
             </a:r>
           </a:p>
           <a:p>
             <a:pPr lvl="1"/>
             <a:r>
-              <a:rPr lang="zh-TW" altLang="en-US" smtClean="0"/>
+              <a:rPr lang="zh-TW" altLang="en-US"/>
               <a:t>第二層</a:t>
             </a:r>
           </a:p>
           <a:p>
             <a:pPr lvl="2"/>
             <a:r>
-              <a:rPr lang="zh-TW" altLang="en-US" smtClean="0"/>
+              <a:rPr lang="zh-TW" altLang="en-US"/>
               <a:t>第三層</a:t>
             </a:r>
           </a:p>
           <a:p>
             <a:pPr lvl="3"/>
             <a:r>
-              <a:rPr lang="zh-TW" altLang="en-US" smtClean="0"/>
+              <a:rPr lang="zh-TW" altLang="en-US"/>
               <a:t>第四層</a:t>
             </a:r>
           </a:p>
           <a:p>
             <a:pPr lvl="4"/>
             <a:r>
-              <a:rPr lang="zh-TW" altLang="en-US" smtClean="0"/>
+              <a:rPr lang="zh-TW" altLang="en-US"/>
               <a:t>第五層</a:t>
             </a:r>
-            <a:endParaRPr lang="zh-TW" altLang="en-US"/>
           </a:p>
         </p:txBody>
       </p:sp>
@@ -1374,10 +1366,9 @@
           <a:lstStyle/>
           <a:p>
             <a:r>
-              <a:rPr lang="zh-TW" altLang="en-US" smtClean="0"/>
+              <a:rPr lang="zh-TW" altLang="en-US"/>
               <a:t>按一下以編輯母片標題樣式</a:t>
             </a:r>
-            <a:endParaRPr lang="zh-TW" altLang="en-US"/>
           </a:p>
         </p:txBody>
       </p:sp>
@@ -1440,7 +1431,7 @@
           <a:p>
             <a:pPr lvl="0"/>
             <a:r>
-              <a:rPr lang="zh-TW" altLang="en-US" smtClean="0"/>
+              <a:rPr lang="zh-TW" altLang="en-US"/>
               <a:t>編輯母片文字樣式</a:t>
             </a:r>
           </a:p>
@@ -1468,38 +1459,37 @@
           <a:p>
             <a:pPr lvl="0"/>
             <a:r>
-              <a:rPr lang="zh-TW" altLang="en-US" smtClean="0"/>
+              <a:rPr lang="zh-TW" altLang="en-US"/>
               <a:t>編輯母片文字樣式</a:t>
             </a:r>
           </a:p>
           <a:p>
             <a:pPr lvl="1"/>
             <a:r>
-              <a:rPr lang="zh-TW" altLang="en-US" smtClean="0"/>
+              <a:rPr lang="zh-TW" altLang="en-US"/>
               <a:t>第二層</a:t>
             </a:r>
           </a:p>
           <a:p>
             <a:pPr lvl="2"/>
             <a:r>
-              <a:rPr lang="zh-TW" altLang="en-US" smtClean="0"/>
+              <a:rPr lang="zh-TW" altLang="en-US"/>
               <a:t>第三層</a:t>
             </a:r>
           </a:p>
           <a:p>
             <a:pPr lvl="3"/>
             <a:r>
-              <a:rPr lang="zh-TW" altLang="en-US" smtClean="0"/>
+              <a:rPr lang="zh-TW" altLang="en-US"/>
               <a:t>第四層</a:t>
             </a:r>
           </a:p>
           <a:p>
             <a:pPr lvl="4"/>
             <a:r>
-              <a:rPr lang="zh-TW" altLang="en-US" smtClean="0"/>
+              <a:rPr lang="zh-TW" altLang="en-US"/>
               <a:t>第五層</a:t>
             </a:r>
-            <a:endParaRPr lang="zh-TW" altLang="en-US"/>
           </a:p>
         </p:txBody>
       </p:sp>
@@ -1562,7 +1552,7 @@
           <a:p>
             <a:pPr lvl="0"/>
             <a:r>
-              <a:rPr lang="zh-TW" altLang="en-US" smtClean="0"/>
+              <a:rPr lang="zh-TW" altLang="en-US"/>
               <a:t>編輯母片文字樣式</a:t>
             </a:r>
           </a:p>
@@ -1590,38 +1580,37 @@
           <a:p>
             <a:pPr lvl="0"/>
             <a:r>
-              <a:rPr lang="zh-TW" altLang="en-US" smtClean="0"/>
+              <a:rPr lang="zh-TW" altLang="en-US"/>
               <a:t>編輯母片文字樣式</a:t>
             </a:r>
           </a:p>
           <a:p>
             <a:pPr lvl="1"/>
             <a:r>
-              <a:rPr lang="zh-TW" altLang="en-US" smtClean="0"/>
+              <a:rPr lang="zh-TW" altLang="en-US"/>
               <a:t>第二層</a:t>
             </a:r>
           </a:p>
           <a:p>
             <a:pPr lvl="2"/>
             <a:r>
-              <a:rPr lang="zh-TW" altLang="en-US" smtClean="0"/>
+              <a:rPr lang="zh-TW" altLang="en-US"/>
               <a:t>第三層</a:t>
             </a:r>
           </a:p>
           <a:p>
             <a:pPr lvl="3"/>
             <a:r>
-              <a:rPr lang="zh-TW" altLang="en-US" smtClean="0"/>
+              <a:rPr lang="zh-TW" altLang="en-US"/>
               <a:t>第四層</a:t>
             </a:r>
           </a:p>
           <a:p>
             <a:pPr lvl="4"/>
             <a:r>
-              <a:rPr lang="zh-TW" altLang="en-US" smtClean="0"/>
+              <a:rPr lang="zh-TW" altLang="en-US"/>
               <a:t>第五層</a:t>
             </a:r>
-            <a:endParaRPr lang="zh-TW" altLang="en-US"/>
           </a:p>
         </p:txBody>
       </p:sp>
@@ -1736,10 +1725,9 @@
           <a:lstStyle/>
           <a:p>
             <a:r>
-              <a:rPr lang="zh-TW" altLang="en-US" smtClean="0"/>
+              <a:rPr lang="zh-TW" altLang="en-US"/>
               <a:t>按一下以編輯母片標題樣式</a:t>
             </a:r>
-            <a:endParaRPr lang="zh-TW" altLang="en-US"/>
           </a:p>
         </p:txBody>
       </p:sp>
@@ -1958,10 +1946,9 @@
           </a:lstStyle>
           <a:p>
             <a:r>
-              <a:rPr lang="zh-TW" altLang="en-US" smtClean="0"/>
+              <a:rPr lang="zh-TW" altLang="en-US"/>
               <a:t>按一下以編輯母片標題樣式</a:t>
             </a:r>
-            <a:endParaRPr lang="zh-TW" altLang="en-US"/>
           </a:p>
         </p:txBody>
       </p:sp>
@@ -2015,38 +2002,37 @@
           <a:p>
             <a:pPr lvl="0"/>
             <a:r>
-              <a:rPr lang="zh-TW" altLang="en-US" smtClean="0"/>
+              <a:rPr lang="zh-TW" altLang="en-US"/>
               <a:t>編輯母片文字樣式</a:t>
             </a:r>
           </a:p>
           <a:p>
             <a:pPr lvl="1"/>
             <a:r>
-              <a:rPr lang="zh-TW" altLang="en-US" smtClean="0"/>
+              <a:rPr lang="zh-TW" altLang="en-US"/>
               <a:t>第二層</a:t>
             </a:r>
           </a:p>
           <a:p>
             <a:pPr lvl="2"/>
             <a:r>
-              <a:rPr lang="zh-TW" altLang="en-US" smtClean="0"/>
+              <a:rPr lang="zh-TW" altLang="en-US"/>
               <a:t>第三層</a:t>
             </a:r>
           </a:p>
           <a:p>
             <a:pPr lvl="3"/>
             <a:r>
-              <a:rPr lang="zh-TW" altLang="en-US" smtClean="0"/>
+              <a:rPr lang="zh-TW" altLang="en-US"/>
               <a:t>第四層</a:t>
             </a:r>
           </a:p>
           <a:p>
             <a:pPr lvl="4"/>
             <a:r>
-              <a:rPr lang="zh-TW" altLang="en-US" smtClean="0"/>
+              <a:rPr lang="zh-TW" altLang="en-US"/>
               <a:t>第五層</a:t>
             </a:r>
-            <a:endParaRPr lang="zh-TW" altLang="en-US"/>
           </a:p>
         </p:txBody>
       </p:sp>
@@ -2109,7 +2095,7 @@
           <a:p>
             <a:pPr lvl="0"/>
             <a:r>
-              <a:rPr lang="zh-TW" altLang="en-US" smtClean="0"/>
+              <a:rPr lang="zh-TW" altLang="en-US"/>
               <a:t>編輯母片文字樣式</a:t>
             </a:r>
           </a:p>
@@ -2235,10 +2221,9 @@
           </a:lstStyle>
           <a:p>
             <a:r>
-              <a:rPr lang="zh-TW" altLang="en-US" smtClean="0"/>
+              <a:rPr lang="zh-TW" altLang="en-US"/>
               <a:t>按一下以編輯母片標題樣式</a:t>
             </a:r>
-            <a:endParaRPr lang="zh-TW" altLang="en-US"/>
           </a:p>
         </p:txBody>
       </p:sp>
@@ -2362,7 +2347,7 @@
           <a:p>
             <a:pPr lvl="0"/>
             <a:r>
-              <a:rPr lang="zh-TW" altLang="en-US" smtClean="0"/>
+              <a:rPr lang="zh-TW" altLang="en-US"/>
               <a:t>編輯母片文字樣式</a:t>
             </a:r>
           </a:p>
@@ -2494,10 +2479,9 @@
           <a:lstStyle/>
           <a:p>
             <a:r>
-              <a:rPr lang="zh-TW" altLang="en-US" smtClean="0"/>
+              <a:rPr lang="zh-TW" altLang="en-US"/>
               <a:t>按一下以編輯母片標題樣式</a:t>
             </a:r>
-            <a:endParaRPr lang="zh-TW" altLang="en-US"/>
           </a:p>
         </p:txBody>
       </p:sp>
@@ -2528,38 +2512,37 @@
           <a:p>
             <a:pPr lvl="0"/>
             <a:r>
-              <a:rPr lang="zh-TW" altLang="en-US" smtClean="0"/>
+              <a:rPr lang="zh-TW" altLang="en-US"/>
               <a:t>編輯母片文字樣式</a:t>
             </a:r>
           </a:p>
           <a:p>
             <a:pPr lvl="1"/>
             <a:r>
-              <a:rPr lang="zh-TW" altLang="en-US" smtClean="0"/>
+              <a:rPr lang="zh-TW" altLang="en-US"/>
               <a:t>第二層</a:t>
             </a:r>
           </a:p>
           <a:p>
             <a:pPr lvl="2"/>
             <a:r>
-              <a:rPr lang="zh-TW" altLang="en-US" smtClean="0"/>
+              <a:rPr lang="zh-TW" altLang="en-US"/>
               <a:t>第三層</a:t>
             </a:r>
           </a:p>
           <a:p>
             <a:pPr lvl="3"/>
             <a:r>
-              <a:rPr lang="zh-TW" altLang="en-US" smtClean="0"/>
+              <a:rPr lang="zh-TW" altLang="en-US"/>
               <a:t>第四層</a:t>
             </a:r>
           </a:p>
           <a:p>
             <a:pPr lvl="4"/>
             <a:r>
-              <a:rPr lang="zh-TW" altLang="en-US" smtClean="0"/>
+              <a:rPr lang="zh-TW" altLang="en-US"/>
               <a:t>第五層</a:t>
             </a:r>
-            <a:endParaRPr lang="zh-TW" altLang="en-US"/>
           </a:p>
         </p:txBody>
       </p:sp>
@@ -3019,10 +3002,9 @@
           <a:lstStyle/>
           <a:p>
             <a:r>
-              <a:rPr lang="zh-TW" altLang="en-US" dirty="0" smtClean="0"/>
+              <a:rPr lang="zh-TW" altLang="en-US" dirty="0"/>
               <a:t>開局就送十連抽</a:t>
             </a:r>
-            <a:endParaRPr lang="zh-TW" altLang="en-US" dirty="0"/>
           </a:p>
         </p:txBody>
       </p:sp>
@@ -3042,25 +3024,24 @@
           <a:lstStyle/>
           <a:p>
             <a:r>
-              <a:rPr lang="en-US" altLang="zh-TW" dirty="0" smtClean="0"/>
+              <a:rPr lang="en-US" altLang="zh-TW" dirty="0"/>
               <a:t>D0713227	</a:t>
             </a:r>
             <a:r>
-              <a:rPr lang="zh-TW" altLang="en-US" dirty="0" smtClean="0"/>
+              <a:rPr lang="zh-TW" altLang="en-US" dirty="0"/>
               <a:t>胡予樺</a:t>
             </a:r>
-            <a:endParaRPr lang="en-US" altLang="zh-TW" dirty="0" smtClean="0"/>
-          </a:p>
-          <a:p>
-            <a:r>
-              <a:rPr lang="en-US" altLang="zh-TW" dirty="0" smtClean="0"/>
+            <a:endParaRPr lang="en-US" altLang="zh-TW" dirty="0"/>
+          </a:p>
+          <a:p>
+            <a:r>
+              <a:rPr lang="en-US" altLang="zh-TW" dirty="0"/>
               <a:t>D0745806	</a:t>
             </a:r>
             <a:r>
-              <a:rPr lang="zh-TW" altLang="en-US" dirty="0" smtClean="0"/>
+              <a:rPr lang="zh-TW" altLang="en-US" dirty="0"/>
               <a:t>賴韜允</a:t>
             </a:r>
-            <a:endParaRPr lang="zh-TW" altLang="en-US" dirty="0"/>
           </a:p>
         </p:txBody>
       </p:sp>
@@ -3068,6 +3049,78 @@
     <p:extLst>
       <p:ext uri="{BB962C8B-B14F-4D97-AF65-F5344CB8AC3E}">
         <p14:creationId xmlns:p14="http://schemas.microsoft.com/office/powerpoint/2010/main" val="1215172344"/>
+      </p:ext>
+    </p:extLst>
+  </p:cSld>
+  <p:clrMapOvr>
+    <a:masterClrMapping/>
+  </p:clrMapOvr>
+</p:sld>
+</file>
+
+<file path=ppt/slides/slide10.xml><?xml version="1.0" encoding="utf-8"?>
+<p:sld xmlns:a="http://schemas.openxmlformats.org/drawingml/2006/main" xmlns:r="http://schemas.openxmlformats.org/officeDocument/2006/relationships" xmlns:p="http://schemas.openxmlformats.org/presentationml/2006/main">
+  <p:cSld>
+    <p:spTree>
+      <p:nvGrpSpPr>
+        <p:cNvPr id="1" name=""/>
+        <p:cNvGrpSpPr/>
+        <p:nvPr/>
+      </p:nvGrpSpPr>
+      <p:grpSpPr>
+        <a:xfrm>
+          <a:off x="0" y="0"/>
+          <a:ext cx="0" cy="0"/>
+          <a:chOff x="0" y="0"/>
+          <a:chExt cx="0" cy="0"/>
+        </a:xfrm>
+      </p:grpSpPr>
+      <p:sp>
+        <p:nvSpPr>
+          <p:cNvPr id="2" name="標題 1"/>
+          <p:cNvSpPr>
+            <a:spLocks noGrp="1"/>
+          </p:cNvSpPr>
+          <p:nvPr>
+            <p:ph type="title"/>
+          </p:nvPr>
+        </p:nvSpPr>
+        <p:spPr/>
+        <p:txBody>
+          <a:bodyPr/>
+          <a:lstStyle/>
+          <a:p>
+            <a:r>
+              <a:rPr lang="en-US" altLang="zh-TW" dirty="0"/>
+              <a:t>Demo</a:t>
+            </a:r>
+            <a:endParaRPr lang="zh-TW" altLang="en-US" dirty="0"/>
+          </a:p>
+        </p:txBody>
+      </p:sp>
+      <p:sp>
+        <p:nvSpPr>
+          <p:cNvPr id="3" name="文字版面配置區 2"/>
+          <p:cNvSpPr>
+            <a:spLocks noGrp="1"/>
+          </p:cNvSpPr>
+          <p:nvPr>
+            <p:ph type="body" idx="1"/>
+          </p:nvPr>
+        </p:nvSpPr>
+        <p:spPr/>
+        <p:txBody>
+          <a:bodyPr/>
+          <a:lstStyle/>
+          <a:p>
+            <a:endParaRPr lang="zh-TW" altLang="en-US"/>
+          </a:p>
+        </p:txBody>
+      </p:sp>
+    </p:spTree>
+    <p:extLst>
+      <p:ext uri="{BB962C8B-B14F-4D97-AF65-F5344CB8AC3E}">
+        <p14:creationId xmlns:p14="http://schemas.microsoft.com/office/powerpoint/2010/main" val="3856631774"/>
       </p:ext>
     </p:extLst>
   </p:cSld>
@@ -3110,10 +3163,9 @@
           <a:lstStyle/>
           <a:p>
             <a:r>
-              <a:rPr lang="zh-TW" altLang="en-US" dirty="0" smtClean="0"/>
+              <a:rPr lang="zh-TW" altLang="en-US" dirty="0"/>
               <a:t>起源</a:t>
             </a:r>
-            <a:endParaRPr lang="zh-TW" altLang="en-US" dirty="0"/>
           </a:p>
         </p:txBody>
       </p:sp>
@@ -3168,50 +3220,58 @@
       </p:grpSpPr>
       <p:sp>
         <p:nvSpPr>
-          <p:cNvPr id="5" name="標題 4"/>
-          <p:cNvSpPr>
-            <a:spLocks noGrp="1"/>
-          </p:cNvSpPr>
-          <p:nvPr>
-            <p:ph type="title"/>
-          </p:nvPr>
-        </p:nvSpPr>
-        <p:spPr/>
-        <p:txBody>
-          <a:bodyPr/>
-          <a:lstStyle/>
-          <a:p>
-            <a:r>
-              <a:rPr lang="zh-TW" altLang="en-US" dirty="0" smtClean="0"/>
-              <a:t>玩法</a:t>
-            </a:r>
+          <p:cNvPr id="9" name="內容版面配置區 8">
+            <a:extLst>
+              <a:ext uri="{FF2B5EF4-FFF2-40B4-BE49-F238E27FC236}">
+                <a16:creationId xmlns:a16="http://schemas.microsoft.com/office/drawing/2014/main" id="{7C1048EF-80E4-4D47-841E-E8F127EC27AB}"/>
+              </a:ext>
+            </a:extLst>
+          </p:cNvPr>
+          <p:cNvSpPr>
+            <a:spLocks noGrp="1"/>
+          </p:cNvSpPr>
+          <p:nvPr>
+            <p:ph idx="4294967295"/>
+          </p:nvPr>
+        </p:nvSpPr>
+        <p:spPr>
+          <a:xfrm>
+            <a:off x="838200" y="1253331"/>
+            <a:ext cx="10515600" cy="4351338"/>
+          </a:xfrm>
+        </p:spPr>
+        <p:txBody>
+          <a:bodyPr/>
+          <a:lstStyle/>
+          <a:p>
+            <a:pPr marL="0" indent="0" hangingPunct="0">
+              <a:spcBef>
+                <a:spcPts val="600"/>
+              </a:spcBef>
+              <a:buNone/>
+            </a:pPr>
+            <a:r>
+              <a:rPr lang="zh-TW" altLang="en-US" dirty="0"/>
+              <a:t>一說到連線類遊戲，就讓我們聯想到</a:t>
+            </a:r>
+            <a:r>
+              <a:rPr lang="en-US" altLang="zh-TW" dirty="0" err="1"/>
+              <a:t>pokemon</a:t>
+            </a:r>
+            <a:r>
+              <a:rPr lang="zh-TW" altLang="en-US" dirty="0"/>
+              <a:t>這種回合制對戰遊戲，於是我們就想以這個主題來做這個專題的主題，並加入跟刪減我們覺得需要或不需要的元素，像是養成系統、將捕捉怪獸改成抽卡系統等，從而誕生出了這個遊戲。</a:t>
+            </a:r>
+          </a:p>
+          <a:p>
             <a:endParaRPr lang="zh-TW" altLang="en-US" dirty="0"/>
-          </a:p>
-        </p:txBody>
-      </p:sp>
-      <p:sp>
-        <p:nvSpPr>
-          <p:cNvPr id="6" name="文字版面配置區 5"/>
-          <p:cNvSpPr>
-            <a:spLocks noGrp="1"/>
-          </p:cNvSpPr>
-          <p:nvPr>
-            <p:ph type="body" idx="1"/>
-          </p:nvPr>
-        </p:nvSpPr>
-        <p:spPr/>
-        <p:txBody>
-          <a:bodyPr/>
-          <a:lstStyle/>
-          <a:p>
-            <a:endParaRPr lang="zh-TW" altLang="en-US"/>
           </a:p>
         </p:txBody>
       </p:sp>
     </p:spTree>
     <p:extLst>
       <p:ext uri="{BB962C8B-B14F-4D97-AF65-F5344CB8AC3E}">
-        <p14:creationId xmlns:p14="http://schemas.microsoft.com/office/powerpoint/2010/main" val="2377542328"/>
+        <p14:creationId xmlns:p14="http://schemas.microsoft.com/office/powerpoint/2010/main" val="2292173793"/>
       </p:ext>
     </p:extLst>
   </p:cSld>
@@ -3254,10 +3314,9 @@
           <a:lstStyle/>
           <a:p>
             <a:r>
-              <a:rPr lang="en-US" altLang="zh-TW" dirty="0" smtClean="0"/>
-              <a:t>Code</a:t>
-            </a:r>
-            <a:endParaRPr lang="zh-TW" altLang="en-US" dirty="0"/>
+              <a:rPr lang="zh-TW" altLang="en-US" dirty="0"/>
+              <a:t>玩法</a:t>
+            </a:r>
           </a:p>
         </p:txBody>
       </p:sp>
@@ -3283,7 +3342,7 @@
     </p:spTree>
     <p:extLst>
       <p:ext uri="{BB962C8B-B14F-4D97-AF65-F5344CB8AC3E}">
-        <p14:creationId xmlns:p14="http://schemas.microsoft.com/office/powerpoint/2010/main" val="548939112"/>
+        <p14:creationId xmlns:p14="http://schemas.microsoft.com/office/powerpoint/2010/main" val="2377542328"/>
       </p:ext>
     </p:extLst>
   </p:cSld>
@@ -3312,50 +3371,141 @@
       </p:grpSpPr>
       <p:sp>
         <p:nvSpPr>
-          <p:cNvPr id="5" name="標題 4"/>
-          <p:cNvSpPr>
-            <a:spLocks noGrp="1"/>
-          </p:cNvSpPr>
-          <p:nvPr>
-            <p:ph type="title"/>
-          </p:nvPr>
-        </p:nvSpPr>
-        <p:spPr/>
-        <p:txBody>
-          <a:bodyPr/>
-          <a:lstStyle/>
-          <a:p>
-            <a:r>
-              <a:rPr lang="en-US" altLang="zh-TW" dirty="0" smtClean="0"/>
-              <a:t>UIUX</a:t>
-            </a:r>
+          <p:cNvPr id="7" name="內容版面配置區 6">
+            <a:extLst>
+              <a:ext uri="{FF2B5EF4-FFF2-40B4-BE49-F238E27FC236}">
+                <a16:creationId xmlns:a16="http://schemas.microsoft.com/office/drawing/2014/main" id="{4DF65C06-27F9-4769-8B8C-B0710C349375}"/>
+              </a:ext>
+            </a:extLst>
+          </p:cNvPr>
+          <p:cNvSpPr>
+            <a:spLocks noGrp="1"/>
+          </p:cNvSpPr>
+          <p:nvPr>
+            <p:ph idx="1"/>
+          </p:nvPr>
+        </p:nvSpPr>
+        <p:spPr>
+          <a:xfrm>
+            <a:off x="838200" y="1161703"/>
+            <a:ext cx="10515600" cy="4534594"/>
+          </a:xfrm>
+        </p:spPr>
+        <p:txBody>
+          <a:bodyPr/>
+          <a:lstStyle/>
+          <a:p>
+            <a:pPr marL="0" indent="0">
+              <a:buNone/>
+            </a:pPr>
+            <a:r>
+              <a:rPr lang="zh-TW" altLang="zh-TW" dirty="0"/>
+              <a:t>這是一個回合制的</a:t>
+            </a:r>
+            <a:r>
+              <a:rPr lang="en-US" altLang="zh-TW" dirty="0"/>
+              <a:t>PVP</a:t>
+            </a:r>
+            <a:r>
+              <a:rPr lang="zh-TW" altLang="zh-TW" dirty="0"/>
+              <a:t>對戰遊戲，在遊戲開始時將各自抽取十隻怪獸，並進行對戰，所有怪獸的數值都是再範圍內隨機的，因此在這場遊戲內你會不會勝利，都是根據你的歐非值來決定。</a:t>
+            </a:r>
+            <a:endParaRPr lang="en-US" altLang="zh-TW" dirty="0"/>
+          </a:p>
+          <a:p>
+            <a:pPr marL="0" indent="0">
+              <a:buNone/>
+            </a:pPr>
+            <a:r>
+              <a:rPr lang="zh-TW" altLang="en-US" dirty="0"/>
+              <a:t>遊戲中</a:t>
+            </a:r>
+            <a:r>
+              <a:rPr lang="en-US" altLang="zh-TW" dirty="0"/>
+              <a:t>:</a:t>
+            </a:r>
+          </a:p>
+          <a:p>
+            <a:pPr marL="0" indent="0">
+              <a:buNone/>
+            </a:pPr>
+            <a:r>
+              <a:rPr lang="en-US" altLang="zh-TW" dirty="0"/>
+              <a:t>	</a:t>
+            </a:r>
+            <a:r>
+              <a:rPr lang="zh-TW" altLang="en-US" dirty="0"/>
+              <a:t>玩家一開始會進行抽卡獲得</a:t>
+            </a:r>
+            <a:r>
+              <a:rPr lang="en-US" altLang="zh-TW" dirty="0"/>
+              <a:t>5</a:t>
+            </a:r>
+            <a:r>
+              <a:rPr lang="zh-TW" altLang="en-US" dirty="0"/>
+              <a:t>隻隨機怪獸，每隻怪獸預設</a:t>
+            </a:r>
+            <a:r>
+              <a:rPr lang="en-US" altLang="zh-TW" dirty="0"/>
+              <a:t>4</a:t>
+            </a:r>
+            <a:r>
+              <a:rPr lang="zh-TW" altLang="en-US" dirty="0"/>
+              <a:t>個</a:t>
+            </a:r>
+            <a:r>
+              <a:rPr lang="en-US" altLang="zh-TW" dirty="0"/>
+              <a:t>	</a:t>
+            </a:r>
+            <a:r>
+              <a:rPr lang="zh-TW" altLang="en-US" dirty="0"/>
+              <a:t>招式，分別有兩招攻擊、一招回血、一招增加護盾，玩家必</a:t>
+            </a:r>
+            <a:r>
+              <a:rPr lang="en-US" altLang="zh-TW" dirty="0"/>
+              <a:t>	</a:t>
+            </a:r>
+            <a:r>
+              <a:rPr lang="zh-TW" altLang="en-US" dirty="0"/>
+              <a:t>須使用這</a:t>
+            </a:r>
+            <a:r>
+              <a:rPr lang="en-US" altLang="zh-TW" dirty="0"/>
+              <a:t>4</a:t>
+            </a:r>
+            <a:r>
+              <a:rPr lang="zh-TW" altLang="en-US" dirty="0"/>
+              <a:t>招來擊敗對方怪獸，最先沒有存活怪獸可上場的</a:t>
+            </a:r>
+            <a:r>
+              <a:rPr lang="en-US" altLang="zh-TW" dirty="0"/>
+              <a:t>	</a:t>
+            </a:r>
+            <a:r>
+              <a:rPr lang="zh-TW" altLang="en-US" dirty="0"/>
+              <a:t>玩家則輸了這場遊戲。</a:t>
+            </a:r>
+            <a:endParaRPr lang="en-US" altLang="zh-TW" dirty="0"/>
+          </a:p>
+          <a:p>
+            <a:pPr marL="0" indent="0">
+              <a:buNone/>
+            </a:pPr>
+            <a:r>
+              <a:rPr lang="en-US" altLang="zh-TW" dirty="0"/>
+              <a:t>	</a:t>
+            </a:r>
+            <a:endParaRPr lang="zh-TW" altLang="zh-TW" dirty="0"/>
+          </a:p>
+          <a:p>
             <a:endParaRPr lang="zh-TW" altLang="en-US" dirty="0"/>
-          </a:p>
-        </p:txBody>
-      </p:sp>
-      <p:sp>
-        <p:nvSpPr>
-          <p:cNvPr id="6" name="文字版面配置區 5"/>
-          <p:cNvSpPr>
-            <a:spLocks noGrp="1"/>
-          </p:cNvSpPr>
-          <p:nvPr>
-            <p:ph type="body" idx="1"/>
-          </p:nvPr>
-        </p:nvSpPr>
-        <p:spPr/>
-        <p:txBody>
-          <a:bodyPr/>
-          <a:lstStyle/>
-          <a:p>
-            <a:endParaRPr lang="zh-TW" altLang="en-US"/>
           </a:p>
         </p:txBody>
       </p:sp>
     </p:spTree>
     <p:extLst>
       <p:ext uri="{BB962C8B-B14F-4D97-AF65-F5344CB8AC3E}">
-        <p14:creationId xmlns:p14="http://schemas.microsoft.com/office/powerpoint/2010/main" val="2072839250"/>
+        <p14:creationId xmlns:p14="http://schemas.microsoft.com/office/powerpoint/2010/main" val="4090696723"/>
       </p:ext>
     </p:extLst>
   </p:cSld>
@@ -3398,8 +3548,8 @@
           <a:lstStyle/>
           <a:p>
             <a:r>
-              <a:rPr lang="en-US" altLang="zh-TW" dirty="0" smtClean="0"/>
-              <a:t>Connection</a:t>
+              <a:rPr lang="en-US" altLang="zh-TW" dirty="0"/>
+              <a:t>Code</a:t>
             </a:r>
             <a:endParaRPr lang="zh-TW" altLang="en-US" dirty="0"/>
           </a:p>
@@ -3427,7 +3577,7 @@
     </p:spTree>
     <p:extLst>
       <p:ext uri="{BB962C8B-B14F-4D97-AF65-F5344CB8AC3E}">
-        <p14:creationId xmlns:p14="http://schemas.microsoft.com/office/powerpoint/2010/main" val="2087182266"/>
+        <p14:creationId xmlns:p14="http://schemas.microsoft.com/office/powerpoint/2010/main" val="548939112"/>
       </p:ext>
     </p:extLst>
   </p:cSld>
@@ -3456,7 +3606,7 @@
       </p:grpSpPr>
       <p:sp>
         <p:nvSpPr>
-          <p:cNvPr id="2" name="標題 1"/>
+          <p:cNvPr id="5" name="標題 4"/>
           <p:cNvSpPr>
             <a:spLocks noGrp="1"/>
           </p:cNvSpPr>
@@ -3470,8 +3620,8 @@
           <a:lstStyle/>
           <a:p>
             <a:r>
-              <a:rPr lang="zh-TW" altLang="en-US" dirty="0" smtClean="0"/>
-              <a:t>遭遇到的困難</a:t>
+              <a:rPr lang="en-US" altLang="zh-TW" dirty="0"/>
+              <a:t>UIUX</a:t>
             </a:r>
             <a:endParaRPr lang="zh-TW" altLang="en-US" dirty="0"/>
           </a:p>
@@ -3479,7 +3629,7 @@
       </p:sp>
       <p:sp>
         <p:nvSpPr>
-          <p:cNvPr id="3" name="文字版面配置區 2"/>
+          <p:cNvPr id="6" name="文字版面配置區 5"/>
           <p:cNvSpPr>
             <a:spLocks noGrp="1"/>
           </p:cNvSpPr>
@@ -3499,7 +3649,7 @@
     </p:spTree>
     <p:extLst>
       <p:ext uri="{BB962C8B-B14F-4D97-AF65-F5344CB8AC3E}">
-        <p14:creationId xmlns:p14="http://schemas.microsoft.com/office/powerpoint/2010/main" val="348748430"/>
+        <p14:creationId xmlns:p14="http://schemas.microsoft.com/office/powerpoint/2010/main" val="2072839250"/>
       </p:ext>
     </p:extLst>
   </p:cSld>
@@ -3528,7 +3678,7 @@
       </p:grpSpPr>
       <p:sp>
         <p:nvSpPr>
-          <p:cNvPr id="2" name="標題 1"/>
+          <p:cNvPr id="5" name="標題 4"/>
           <p:cNvSpPr>
             <a:spLocks noGrp="1"/>
           </p:cNvSpPr>
@@ -3542,8 +3692,8 @@
           <a:lstStyle/>
           <a:p>
             <a:r>
-              <a:rPr lang="en-US" altLang="zh-TW" dirty="0" smtClean="0"/>
-              <a:t>Demo</a:t>
+              <a:rPr lang="en-US" altLang="zh-TW" dirty="0"/>
+              <a:t>Connection</a:t>
             </a:r>
             <a:endParaRPr lang="zh-TW" altLang="en-US" dirty="0"/>
           </a:p>
@@ -3551,7 +3701,7 @@
       </p:sp>
       <p:sp>
         <p:nvSpPr>
-          <p:cNvPr id="3" name="文字版面配置區 2"/>
+          <p:cNvPr id="6" name="文字版面配置區 5"/>
           <p:cNvSpPr>
             <a:spLocks noGrp="1"/>
           </p:cNvSpPr>
@@ -3571,7 +3721,78 @@
     </p:spTree>
     <p:extLst>
       <p:ext uri="{BB962C8B-B14F-4D97-AF65-F5344CB8AC3E}">
-        <p14:creationId xmlns:p14="http://schemas.microsoft.com/office/powerpoint/2010/main" val="3856631774"/>
+        <p14:creationId xmlns:p14="http://schemas.microsoft.com/office/powerpoint/2010/main" val="2087182266"/>
+      </p:ext>
+    </p:extLst>
+  </p:cSld>
+  <p:clrMapOvr>
+    <a:masterClrMapping/>
+  </p:clrMapOvr>
+</p:sld>
+</file>
+
+<file path=ppt/slides/slide9.xml><?xml version="1.0" encoding="utf-8"?>
+<p:sld xmlns:a="http://schemas.openxmlformats.org/drawingml/2006/main" xmlns:r="http://schemas.openxmlformats.org/officeDocument/2006/relationships" xmlns:p="http://schemas.openxmlformats.org/presentationml/2006/main">
+  <p:cSld>
+    <p:spTree>
+      <p:nvGrpSpPr>
+        <p:cNvPr id="1" name=""/>
+        <p:cNvGrpSpPr/>
+        <p:nvPr/>
+      </p:nvGrpSpPr>
+      <p:grpSpPr>
+        <a:xfrm>
+          <a:off x="0" y="0"/>
+          <a:ext cx="0" cy="0"/>
+          <a:chOff x="0" y="0"/>
+          <a:chExt cx="0" cy="0"/>
+        </a:xfrm>
+      </p:grpSpPr>
+      <p:sp>
+        <p:nvSpPr>
+          <p:cNvPr id="2" name="標題 1"/>
+          <p:cNvSpPr>
+            <a:spLocks noGrp="1"/>
+          </p:cNvSpPr>
+          <p:nvPr>
+            <p:ph type="title"/>
+          </p:nvPr>
+        </p:nvSpPr>
+        <p:spPr/>
+        <p:txBody>
+          <a:bodyPr/>
+          <a:lstStyle/>
+          <a:p>
+            <a:r>
+              <a:rPr lang="zh-TW" altLang="en-US" dirty="0"/>
+              <a:t>遭遇到的困難</a:t>
+            </a:r>
+          </a:p>
+        </p:txBody>
+      </p:sp>
+      <p:sp>
+        <p:nvSpPr>
+          <p:cNvPr id="3" name="文字版面配置區 2"/>
+          <p:cNvSpPr>
+            <a:spLocks noGrp="1"/>
+          </p:cNvSpPr>
+          <p:nvPr>
+            <p:ph type="body" idx="1"/>
+          </p:nvPr>
+        </p:nvSpPr>
+        <p:spPr/>
+        <p:txBody>
+          <a:bodyPr/>
+          <a:lstStyle/>
+          <a:p>
+            <a:endParaRPr lang="zh-TW" altLang="en-US"/>
+          </a:p>
+        </p:txBody>
+      </p:sp>
+    </p:spTree>
+    <p:extLst>
+      <p:ext uri="{BB962C8B-B14F-4D97-AF65-F5344CB8AC3E}">
+        <p14:creationId xmlns:p14="http://schemas.microsoft.com/office/powerpoint/2010/main" val="348748430"/>
       </p:ext>
     </p:extLst>
   </p:cSld>

--- a/reff/PPT.pptx
+++ b/reff/PPT.pptx
@@ -3620,8 +3620,8 @@
           <a:lstStyle/>
           <a:p>
             <a:r>
-              <a:rPr lang="en-US" altLang="zh-TW" dirty="0"/>
-              <a:t>UIUX</a:t>
+              <a:rPr lang="en-US" altLang="zh-TW" dirty="0" smtClean="0"/>
+              <a:t>UI/UX</a:t>
             </a:r>
             <a:endParaRPr lang="zh-TW" altLang="en-US" dirty="0"/>
           </a:p>
@@ -3642,7 +3642,38 @@
           <a:bodyPr/>
           <a:lstStyle/>
           <a:p>
-            <a:endParaRPr lang="zh-TW" altLang="en-US"/>
+            <a:r>
+              <a:rPr lang="en-US" altLang="zh-TW" dirty="0" smtClean="0"/>
+              <a:t>3</a:t>
+            </a:r>
+            <a:r>
+              <a:rPr lang="zh-TW" altLang="en-US" dirty="0" smtClean="0"/>
+              <a:t>個頁面 </a:t>
+            </a:r>
+            <a:r>
+              <a:rPr lang="en-US" altLang="zh-TW" dirty="0" smtClean="0">
+                <a:sym typeface="Wingdings" panose="05000000000000000000" pitchFamily="2" charset="2"/>
+              </a:rPr>
+              <a:t></a:t>
+            </a:r>
+            <a:r>
+              <a:rPr lang="zh-TW" altLang="en-US" dirty="0" smtClean="0">
+                <a:sym typeface="Wingdings" panose="05000000000000000000" pitchFamily="2" charset="2"/>
+              </a:rPr>
+              <a:t> 頁面的跳轉</a:t>
+            </a:r>
+            <a:endParaRPr lang="en-US" altLang="zh-TW" dirty="0" smtClean="0">
+              <a:sym typeface="Wingdings" panose="05000000000000000000" pitchFamily="2" charset="2"/>
+            </a:endParaRPr>
+          </a:p>
+          <a:p>
+            <a:r>
+              <a:rPr lang="zh-TW" altLang="en-US" dirty="0" smtClean="0">
+                <a:sym typeface="Wingdings" panose="05000000000000000000" pitchFamily="2" charset="2"/>
+              </a:rPr>
+              <a:t> </a:t>
+            </a:r>
+            <a:endParaRPr lang="zh-TW" altLang="en-US" dirty="0"/>
           </a:p>
         </p:txBody>
       </p:sp>
@@ -3782,10 +3813,76 @@
         </p:nvSpPr>
         <p:spPr/>
         <p:txBody>
-          <a:bodyPr/>
-          <a:lstStyle/>
-          <a:p>
-            <a:endParaRPr lang="zh-TW" altLang="en-US"/>
+          <a:bodyPr>
+            <a:normAutofit fontScale="92500" lnSpcReduction="20000"/>
+          </a:bodyPr>
+          <a:lstStyle/>
+          <a:p>
+            <a:r>
+              <a:rPr lang="zh-TW" altLang="en-US" dirty="0" smtClean="0"/>
+              <a:t>圖片畫面更新 </a:t>
+            </a:r>
+            <a:endParaRPr lang="en-US" altLang="zh-TW" dirty="0" smtClean="0"/>
+          </a:p>
+          <a:p>
+            <a:r>
+              <a:rPr lang="zh-TW" altLang="en-US" dirty="0" smtClean="0"/>
+              <a:t>網路</a:t>
+            </a:r>
+            <a:r>
+              <a:rPr lang="zh-TW" altLang="en-US" dirty="0"/>
+              <a:t>程式的</a:t>
+            </a:r>
+            <a:r>
+              <a:rPr lang="zh-TW" altLang="en-US" dirty="0" smtClean="0"/>
+              <a:t>撰寫</a:t>
+            </a:r>
+            <a:r>
+              <a:rPr lang="en-US" altLang="zh-TW" dirty="0" smtClean="0"/>
+              <a:t>----thread </a:t>
+            </a:r>
+            <a:r>
+              <a:rPr lang="zh-TW" altLang="en-US" dirty="0" smtClean="0"/>
+              <a:t>與 </a:t>
+            </a:r>
+            <a:r>
+              <a:rPr lang="en-US" altLang="zh-TW" dirty="0" smtClean="0"/>
+              <a:t>Boolean </a:t>
+            </a:r>
+            <a:r>
+              <a:rPr lang="zh-TW" altLang="en-US" dirty="0" smtClean="0"/>
+              <a:t>值得傳遞</a:t>
+            </a:r>
+            <a:endParaRPr lang="en-US" altLang="zh-TW" dirty="0" smtClean="0"/>
+          </a:p>
+          <a:p>
+            <a:r>
+              <a:rPr lang="en-US" altLang="zh-TW" dirty="0" smtClean="0"/>
+              <a:t>Frame </a:t>
+            </a:r>
+            <a:r>
+              <a:rPr lang="zh-TW" altLang="en-US" dirty="0" smtClean="0"/>
+              <a:t>跳轉問題</a:t>
+            </a:r>
+            <a:endParaRPr lang="en-US" altLang="zh-TW" dirty="0" smtClean="0"/>
+          </a:p>
+          <a:p>
+            <a:r>
+              <a:rPr lang="en-US" altLang="zh-TW" dirty="0" err="1" smtClean="0"/>
+              <a:t>Packge</a:t>
+            </a:r>
+            <a:r>
+              <a:rPr lang="en-US" altLang="zh-TW" dirty="0" smtClean="0"/>
+              <a:t> </a:t>
+            </a:r>
+            <a:r>
+              <a:rPr lang="zh-TW" altLang="en-US" dirty="0" smtClean="0"/>
+              <a:t>的使用</a:t>
+            </a:r>
+            <a:endParaRPr lang="en-US" altLang="zh-TW" dirty="0"/>
+          </a:p>
+          <a:p>
+            <a:endParaRPr lang="en-US" altLang="zh-TW" dirty="0" smtClean="0"/>
           </a:p>
         </p:txBody>
       </p:sp>

--- a/reff/PPT.pptx
+++ b/reff/PPT.pptx
@@ -11,10 +11,11 @@
     <p:sldId id="258" r:id="rId5"/>
     <p:sldId id="265" r:id="rId6"/>
     <p:sldId id="259" r:id="rId7"/>
-    <p:sldId id="260" r:id="rId8"/>
-    <p:sldId id="261" r:id="rId9"/>
-    <p:sldId id="262" r:id="rId10"/>
-    <p:sldId id="263" r:id="rId11"/>
+    <p:sldId id="267" r:id="rId8"/>
+    <p:sldId id="266" r:id="rId9"/>
+    <p:sldId id="260" r:id="rId10"/>
+    <p:sldId id="261" r:id="rId11"/>
+    <p:sldId id="263" r:id="rId12"/>
   </p:sldIdLst>
   <p:sldSz cx="12192000" cy="6858000"/>
   <p:notesSz cx="6858000" cy="9144000"/>
@@ -124,9 +125,10 @@
             <p14:sldId id="258"/>
             <p14:sldId id="265"/>
             <p14:sldId id="259"/>
+            <p14:sldId id="267"/>
+            <p14:sldId id="266"/>
             <p14:sldId id="260"/>
             <p14:sldId id="261"/>
-            <p14:sldId id="262"/>
             <p14:sldId id="263"/>
           </p14:sldIdLst>
         </p14:section>
@@ -279,7 +281,7 @@
           <a:p>
             <a:fld id="{4E26CF2B-3CCE-40E8-B0F3-820867311362}" type="datetimeFigureOut">
               <a:rPr lang="zh-TW" altLang="en-US" smtClean="0"/>
-              <a:t>2020/12/16</a:t>
+              <a:t>2020/12/30</a:t>
             </a:fld>
             <a:endParaRPr lang="zh-TW" altLang="en-US"/>
           </a:p>
@@ -447,7 +449,7 @@
           <a:p>
             <a:fld id="{4E26CF2B-3CCE-40E8-B0F3-820867311362}" type="datetimeFigureOut">
               <a:rPr lang="zh-TW" altLang="en-US" smtClean="0"/>
-              <a:t>2020/12/16</a:t>
+              <a:t>2020/12/30</a:t>
             </a:fld>
             <a:endParaRPr lang="zh-TW" altLang="en-US"/>
           </a:p>
@@ -625,7 +627,7 @@
           <a:p>
             <a:fld id="{4E26CF2B-3CCE-40E8-B0F3-820867311362}" type="datetimeFigureOut">
               <a:rPr lang="zh-TW" altLang="en-US" smtClean="0"/>
-              <a:t>2020/12/16</a:t>
+              <a:t>2020/12/30</a:t>
             </a:fld>
             <a:endParaRPr lang="zh-TW" altLang="en-US"/>
           </a:p>
@@ -793,7 +795,7 @@
           <a:p>
             <a:fld id="{4E26CF2B-3CCE-40E8-B0F3-820867311362}" type="datetimeFigureOut">
               <a:rPr lang="zh-TW" altLang="en-US" smtClean="0"/>
-              <a:t>2020/12/16</a:t>
+              <a:t>2020/12/30</a:t>
             </a:fld>
             <a:endParaRPr lang="zh-TW" altLang="en-US"/>
           </a:p>
@@ -1038,7 +1040,7 @@
           <a:p>
             <a:fld id="{4E26CF2B-3CCE-40E8-B0F3-820867311362}" type="datetimeFigureOut">
               <a:rPr lang="zh-TW" altLang="en-US" smtClean="0"/>
-              <a:t>2020/12/16</a:t>
+              <a:t>2020/12/30</a:t>
             </a:fld>
             <a:endParaRPr lang="zh-TW" altLang="en-US"/>
           </a:p>
@@ -1267,7 +1269,7 @@
           <a:p>
             <a:fld id="{4E26CF2B-3CCE-40E8-B0F3-820867311362}" type="datetimeFigureOut">
               <a:rPr lang="zh-TW" altLang="en-US" smtClean="0"/>
-              <a:t>2020/12/16</a:t>
+              <a:t>2020/12/30</a:t>
             </a:fld>
             <a:endParaRPr lang="zh-TW" altLang="en-US"/>
           </a:p>
@@ -1631,7 +1633,7 @@
           <a:p>
             <a:fld id="{4E26CF2B-3CCE-40E8-B0F3-820867311362}" type="datetimeFigureOut">
               <a:rPr lang="zh-TW" altLang="en-US" smtClean="0"/>
-              <a:t>2020/12/16</a:t>
+              <a:t>2020/12/30</a:t>
             </a:fld>
             <a:endParaRPr lang="zh-TW" altLang="en-US"/>
           </a:p>
@@ -1748,7 +1750,7 @@
           <a:p>
             <a:fld id="{4E26CF2B-3CCE-40E8-B0F3-820867311362}" type="datetimeFigureOut">
               <a:rPr lang="zh-TW" altLang="en-US" smtClean="0"/>
-              <a:t>2020/12/16</a:t>
+              <a:t>2020/12/30</a:t>
             </a:fld>
             <a:endParaRPr lang="zh-TW" altLang="en-US"/>
           </a:p>
@@ -1843,7 +1845,7 @@
           <a:p>
             <a:fld id="{4E26CF2B-3CCE-40E8-B0F3-820867311362}" type="datetimeFigureOut">
               <a:rPr lang="zh-TW" altLang="en-US" smtClean="0"/>
-              <a:t>2020/12/16</a:t>
+              <a:t>2020/12/30</a:t>
             </a:fld>
             <a:endParaRPr lang="zh-TW" altLang="en-US"/>
           </a:p>
@@ -2118,7 +2120,7 @@
           <a:p>
             <a:fld id="{4E26CF2B-3CCE-40E8-B0F3-820867311362}" type="datetimeFigureOut">
               <a:rPr lang="zh-TW" altLang="en-US" smtClean="0"/>
-              <a:t>2020/12/16</a:t>
+              <a:t>2020/12/30</a:t>
             </a:fld>
             <a:endParaRPr lang="zh-TW" altLang="en-US"/>
           </a:p>
@@ -2370,7 +2372,7 @@
           <a:p>
             <a:fld id="{4E26CF2B-3CCE-40E8-B0F3-820867311362}" type="datetimeFigureOut">
               <a:rPr lang="zh-TW" altLang="en-US" smtClean="0"/>
-              <a:t>2020/12/16</a:t>
+              <a:t>2020/12/30</a:t>
             </a:fld>
             <a:endParaRPr lang="zh-TW" altLang="en-US"/>
           </a:p>
@@ -2581,7 +2583,7 @@
           <a:p>
             <a:fld id="{4E26CF2B-3CCE-40E8-B0F3-820867311362}" type="datetimeFigureOut">
               <a:rPr lang="zh-TW" altLang="en-US" smtClean="0"/>
-              <a:t>2020/12/16</a:t>
+              <a:t>2020/12/30</a:t>
             </a:fld>
             <a:endParaRPr lang="zh-TW" altLang="en-US"/>
           </a:p>
@@ -3077,6 +3079,78 @@
       </p:grpSpPr>
       <p:sp>
         <p:nvSpPr>
+          <p:cNvPr id="5" name="標題 4"/>
+          <p:cNvSpPr>
+            <a:spLocks noGrp="1"/>
+          </p:cNvSpPr>
+          <p:nvPr>
+            <p:ph type="title"/>
+          </p:nvPr>
+        </p:nvSpPr>
+        <p:spPr/>
+        <p:txBody>
+          <a:bodyPr/>
+          <a:lstStyle/>
+          <a:p>
+            <a:r>
+              <a:rPr lang="en-US" altLang="zh-TW" dirty="0"/>
+              <a:t>Connection</a:t>
+            </a:r>
+            <a:endParaRPr lang="zh-TW" altLang="en-US" dirty="0"/>
+          </a:p>
+        </p:txBody>
+      </p:sp>
+      <p:sp>
+        <p:nvSpPr>
+          <p:cNvPr id="6" name="文字版面配置區 5"/>
+          <p:cNvSpPr>
+            <a:spLocks noGrp="1"/>
+          </p:cNvSpPr>
+          <p:nvPr>
+            <p:ph type="body" idx="1"/>
+          </p:nvPr>
+        </p:nvSpPr>
+        <p:spPr/>
+        <p:txBody>
+          <a:bodyPr/>
+          <a:lstStyle/>
+          <a:p>
+            <a:endParaRPr lang="zh-TW" altLang="en-US"/>
+          </a:p>
+        </p:txBody>
+      </p:sp>
+    </p:spTree>
+    <p:extLst>
+      <p:ext uri="{BB962C8B-B14F-4D97-AF65-F5344CB8AC3E}">
+        <p14:creationId xmlns:p14="http://schemas.microsoft.com/office/powerpoint/2010/main" val="2087182266"/>
+      </p:ext>
+    </p:extLst>
+  </p:cSld>
+  <p:clrMapOvr>
+    <a:masterClrMapping/>
+  </p:clrMapOvr>
+</p:sld>
+</file>
+
+<file path=ppt/slides/slide11.xml><?xml version="1.0" encoding="utf-8"?>
+<p:sld xmlns:a="http://schemas.openxmlformats.org/drawingml/2006/main" xmlns:r="http://schemas.openxmlformats.org/officeDocument/2006/relationships" xmlns:p="http://schemas.openxmlformats.org/presentationml/2006/main">
+  <p:cSld>
+    <p:spTree>
+      <p:nvGrpSpPr>
+        <p:cNvPr id="1" name=""/>
+        <p:cNvGrpSpPr/>
+        <p:nvPr/>
+      </p:nvGrpSpPr>
+      <p:grpSpPr>
+        <a:xfrm>
+          <a:off x="0" y="0"/>
+          <a:ext cx="0" cy="0"/>
+          <a:chOff x="0" y="0"/>
+          <a:chExt cx="0" cy="0"/>
+        </a:xfrm>
+      </p:grpSpPr>
+      <p:sp>
+        <p:nvSpPr>
           <p:cNvPr id="2" name="標題 1"/>
           <p:cNvSpPr>
             <a:spLocks noGrp="1"/>
@@ -3548,8 +3622,8 @@
           <a:lstStyle/>
           <a:p>
             <a:r>
-              <a:rPr lang="en-US" altLang="zh-TW" dirty="0"/>
-              <a:t>Code</a:t>
+              <a:rPr lang="zh-TW" altLang="en-US" dirty="0" smtClean="0"/>
+              <a:t>循序圖</a:t>
             </a:r>
             <a:endParaRPr lang="zh-TW" altLang="en-US" dirty="0"/>
           </a:p>
@@ -3604,83 +3678,40 @@
           <a:chExt cx="0" cy="0"/>
         </a:xfrm>
       </p:grpSpPr>
-      <p:sp>
-        <p:nvSpPr>
-          <p:cNvPr id="5" name="標題 4"/>
-          <p:cNvSpPr>
-            <a:spLocks noGrp="1"/>
-          </p:cNvSpPr>
-          <p:nvPr>
-            <p:ph type="title"/>
-          </p:nvPr>
-        </p:nvSpPr>
-        <p:spPr/>
-        <p:txBody>
-          <a:bodyPr/>
-          <a:lstStyle/>
-          <a:p>
-            <a:r>
-              <a:rPr lang="en-US" altLang="zh-TW" dirty="0" smtClean="0"/>
-              <a:t>UI/UX</a:t>
-            </a:r>
-            <a:endParaRPr lang="zh-TW" altLang="en-US" dirty="0"/>
-          </a:p>
-        </p:txBody>
-      </p:sp>
-      <p:sp>
-        <p:nvSpPr>
-          <p:cNvPr id="6" name="文字版面配置區 5"/>
-          <p:cNvSpPr>
-            <a:spLocks noGrp="1"/>
-          </p:cNvSpPr>
-          <p:nvPr>
-            <p:ph type="body" idx="1"/>
-          </p:nvPr>
-        </p:nvSpPr>
-        <p:spPr/>
-        <p:txBody>
-          <a:bodyPr/>
-          <a:lstStyle/>
-          <a:p>
-            <a:r>
-              <a:rPr lang="en-US" altLang="zh-TW" dirty="0" smtClean="0"/>
-              <a:t>3</a:t>
-            </a:r>
-            <a:r>
-              <a:rPr lang="zh-TW" altLang="en-US" dirty="0" smtClean="0"/>
-              <a:t>個頁面 </a:t>
-            </a:r>
-            <a:r>
-              <a:rPr lang="en-US" altLang="zh-TW" dirty="0" smtClean="0">
-                <a:sym typeface="Wingdings" panose="05000000000000000000" pitchFamily="2" charset="2"/>
-              </a:rPr>
-              <a:t></a:t>
-            </a:r>
-            <a:r>
-              <a:rPr lang="zh-TW" altLang="en-US" dirty="0" smtClean="0">
-                <a:sym typeface="Wingdings" panose="05000000000000000000" pitchFamily="2" charset="2"/>
-              </a:rPr>
-              <a:t> 頁面的跳轉</a:t>
-            </a:r>
-            <a:endParaRPr lang="en-US" altLang="zh-TW" dirty="0" smtClean="0">
-              <a:sym typeface="Wingdings" panose="05000000000000000000" pitchFamily="2" charset="2"/>
-            </a:endParaRPr>
-          </a:p>
-          <a:p>
-            <a:r>
-              <a:rPr lang="zh-TW" altLang="en-US" dirty="0" smtClean="0">
-                <a:sym typeface="Wingdings" panose="05000000000000000000" pitchFamily="2" charset="2"/>
-              </a:rPr>
-              <a:t> </a:t>
-            </a:r>
-            <a:endParaRPr lang="zh-TW" altLang="en-US" dirty="0"/>
-          </a:p>
-        </p:txBody>
-      </p:sp>
+      <p:pic>
+        <p:nvPicPr>
+          <p:cNvPr id="2" name="圖片 1"/>
+          <p:cNvPicPr>
+            <a:picLocks noChangeAspect="1"/>
+          </p:cNvPicPr>
+          <p:nvPr/>
+        </p:nvPicPr>
+        <p:blipFill>
+          <a:blip r:embed="rId2">
+            <a:extLst>
+              <a:ext uri="{28A0092B-C50C-407E-A947-70E740481C1C}">
+                <a14:useLocalDpi xmlns:a14="http://schemas.microsoft.com/office/drawing/2010/main" val="0"/>
+              </a:ext>
+            </a:extLst>
+          </a:blip>
+          <a:stretch>
+            <a:fillRect/>
+          </a:stretch>
+        </p:blipFill>
+        <p:spPr>
+          <a:xfrm>
+            <a:off x="1699218" y="165463"/>
+            <a:ext cx="9125536" cy="6442773"/>
+          </a:xfrm>
+          <a:prstGeom prst="rect">
+            <a:avLst/>
+          </a:prstGeom>
+        </p:spPr>
+      </p:pic>
     </p:spTree>
     <p:extLst>
       <p:ext uri="{BB962C8B-B14F-4D97-AF65-F5344CB8AC3E}">
-        <p14:creationId xmlns:p14="http://schemas.microsoft.com/office/powerpoint/2010/main" val="2072839250"/>
+        <p14:creationId xmlns:p14="http://schemas.microsoft.com/office/powerpoint/2010/main" val="608825951"/>
       </p:ext>
     </p:extLst>
   </p:cSld>
@@ -3724,7 +3755,7 @@
           <a:p>
             <a:r>
               <a:rPr lang="en-US" altLang="zh-TW" dirty="0"/>
-              <a:t>Connection</a:t>
+              <a:t>Code</a:t>
             </a:r>
             <a:endParaRPr lang="zh-TW" altLang="en-US" dirty="0"/>
           </a:p>
@@ -3752,7 +3783,7 @@
     </p:spTree>
     <p:extLst>
       <p:ext uri="{BB962C8B-B14F-4D97-AF65-F5344CB8AC3E}">
-        <p14:creationId xmlns:p14="http://schemas.microsoft.com/office/powerpoint/2010/main" val="2087182266"/>
+        <p14:creationId xmlns:p14="http://schemas.microsoft.com/office/powerpoint/2010/main" val="1124794747"/>
       </p:ext>
     </p:extLst>
   </p:cSld>
@@ -3781,7 +3812,7 @@
       </p:grpSpPr>
       <p:sp>
         <p:nvSpPr>
-          <p:cNvPr id="2" name="標題 1"/>
+          <p:cNvPr id="5" name="標題 4"/>
           <p:cNvSpPr>
             <a:spLocks noGrp="1"/>
           </p:cNvSpPr>
@@ -3795,15 +3826,16 @@
           <a:lstStyle/>
           <a:p>
             <a:r>
-              <a:rPr lang="zh-TW" altLang="en-US" dirty="0"/>
-              <a:t>遭遇到的困難</a:t>
-            </a:r>
-          </a:p>
-        </p:txBody>
-      </p:sp>
-      <p:sp>
-        <p:nvSpPr>
-          <p:cNvPr id="3" name="文字版面配置區 2"/>
+              <a:rPr lang="en-US" altLang="zh-TW" dirty="0" smtClean="0"/>
+              <a:t>UI/UX</a:t>
+            </a:r>
+            <a:endParaRPr lang="zh-TW" altLang="en-US" dirty="0"/>
+          </a:p>
+        </p:txBody>
+      </p:sp>
+      <p:sp>
+        <p:nvSpPr>
+          <p:cNvPr id="6" name="文字版面配置區 5"/>
           <p:cNvSpPr>
             <a:spLocks noGrp="1"/>
           </p:cNvSpPr>
@@ -3813,83 +3845,48 @@
         </p:nvSpPr>
         <p:spPr/>
         <p:txBody>
-          <a:bodyPr>
-            <a:normAutofit fontScale="92500" lnSpcReduction="20000"/>
-          </a:bodyPr>
-          <a:lstStyle/>
-          <a:p>
+          <a:bodyPr/>
+          <a:lstStyle/>
+          <a:p>
+            <a:r>
+              <a:rPr lang="en-US" altLang="zh-TW" dirty="0" smtClean="0"/>
+              <a:t>3</a:t>
+            </a:r>
             <a:r>
               <a:rPr lang="zh-TW" altLang="en-US" dirty="0" smtClean="0"/>
-              <a:t>圖片畫面更新 </a:t>
-            </a:r>
-            <a:endParaRPr lang="en-US" altLang="zh-TW" dirty="0" smtClean="0"/>
-          </a:p>
-          <a:p>
-            <a:r>
-              <a:rPr lang="zh-TW" altLang="en-US" dirty="0" smtClean="0"/>
-              <a:t>網路</a:t>
-            </a:r>
-            <a:r>
-              <a:rPr lang="zh-TW" altLang="en-US" dirty="0"/>
-              <a:t>程式的</a:t>
-            </a:r>
-            <a:r>
-              <a:rPr lang="zh-TW" altLang="en-US" dirty="0" smtClean="0"/>
-              <a:t>撰寫</a:t>
-            </a:r>
-            <a:r>
-              <a:rPr lang="en-US" altLang="zh-TW" dirty="0" smtClean="0"/>
-              <a:t>----thread </a:t>
-            </a:r>
-            <a:r>
-              <a:rPr lang="zh-TW" altLang="en-US" dirty="0" smtClean="0"/>
-              <a:t>與 </a:t>
-            </a:r>
-            <a:r>
-              <a:rPr lang="en-US" altLang="zh-TW" dirty="0" smtClean="0"/>
-              <a:t>Boolean </a:t>
-            </a:r>
-            <a:r>
-              <a:rPr lang="zh-TW" altLang="en-US" dirty="0" smtClean="0"/>
-              <a:t>值得傳遞</a:t>
-            </a:r>
-            <a:endParaRPr lang="en-US" altLang="zh-TW" dirty="0" smtClean="0"/>
-          </a:p>
-          <a:p>
-            <a:r>
-              <a:rPr lang="en-US" altLang="zh-TW" dirty="0" smtClean="0"/>
-              <a:t>Frame </a:t>
-            </a:r>
-            <a:r>
-              <a:rPr lang="zh-TW" altLang="en-US" dirty="0" smtClean="0"/>
-              <a:t>跳轉問題</a:t>
-            </a:r>
-            <a:endParaRPr lang="en-US" altLang="zh-TW" dirty="0" smtClean="0"/>
-          </a:p>
-          <a:p>
-            <a:r>
-              <a:rPr lang="en-US" altLang="zh-TW" dirty="0" err="1" smtClean="0"/>
-              <a:t>Packge</a:t>
-            </a:r>
-            <a:r>
-              <a:rPr lang="en-US" altLang="zh-TW" dirty="0" smtClean="0"/>
+              <a:t>個頁面 </a:t>
+            </a:r>
+            <a:r>
+              <a:rPr lang="en-US" altLang="zh-TW" dirty="0" smtClean="0">
+                <a:sym typeface="Wingdings" panose="05000000000000000000" pitchFamily="2" charset="2"/>
+              </a:rPr>
+              <a:t></a:t>
+            </a:r>
+            <a:r>
+              <a:rPr lang="zh-TW" altLang="en-US" dirty="0" smtClean="0">
+                <a:sym typeface="Wingdings" panose="05000000000000000000" pitchFamily="2" charset="2"/>
+              </a:rPr>
+              <a:t> 頁面的跳轉</a:t>
+            </a:r>
+            <a:endParaRPr lang="en-US" altLang="zh-TW" dirty="0" smtClean="0">
+              <a:sym typeface="Wingdings" panose="05000000000000000000" pitchFamily="2" charset="2"/>
+            </a:endParaRPr>
+          </a:p>
+          <a:p>
+            <a:r>
+              <a:rPr lang="zh-TW" altLang="en-US" dirty="0" smtClean="0">
+                <a:sym typeface="Wingdings" panose="05000000000000000000" pitchFamily="2" charset="2"/>
+              </a:rPr>
               <a:t> </a:t>
             </a:r>
-            <a:r>
-              <a:rPr lang="zh-TW" altLang="en-US" dirty="0" smtClean="0"/>
-              <a:t>的使用</a:t>
-            </a:r>
-            <a:endParaRPr lang="en-US" altLang="zh-TW" dirty="0"/>
-          </a:p>
-          <a:p>
-            <a:endParaRPr lang="en-US" altLang="zh-TW" dirty="0" smtClean="0"/>
+            <a:endParaRPr lang="zh-TW" altLang="en-US" dirty="0"/>
           </a:p>
         </p:txBody>
       </p:sp>
     </p:spTree>
     <p:extLst>
       <p:ext uri="{BB962C8B-B14F-4D97-AF65-F5344CB8AC3E}">
-        <p14:creationId xmlns:p14="http://schemas.microsoft.com/office/powerpoint/2010/main" val="348748430"/>
+        <p14:creationId xmlns:p14="http://schemas.microsoft.com/office/powerpoint/2010/main" val="2072839250"/>
       </p:ext>
     </p:extLst>
   </p:cSld>

--- a/reff/PPT.pptx
+++ b/reff/PPT.pptx
@@ -13,9 +13,18 @@
     <p:sldId id="259" r:id="rId7"/>
     <p:sldId id="267" r:id="rId8"/>
     <p:sldId id="266" r:id="rId9"/>
-    <p:sldId id="260" r:id="rId10"/>
-    <p:sldId id="261" r:id="rId11"/>
-    <p:sldId id="263" r:id="rId12"/>
+    <p:sldId id="276" r:id="rId10"/>
+    <p:sldId id="260" r:id="rId11"/>
+    <p:sldId id="261" r:id="rId12"/>
+    <p:sldId id="268" r:id="rId13"/>
+    <p:sldId id="270" r:id="rId14"/>
+    <p:sldId id="271" r:id="rId15"/>
+    <p:sldId id="272" r:id="rId16"/>
+    <p:sldId id="269" r:id="rId17"/>
+    <p:sldId id="273" r:id="rId18"/>
+    <p:sldId id="274" r:id="rId19"/>
+    <p:sldId id="275" r:id="rId20"/>
+    <p:sldId id="263" r:id="rId21"/>
   </p:sldIdLst>
   <p:sldSz cx="12192000" cy="6858000"/>
   <p:notesSz cx="6858000" cy="9144000"/>
@@ -127,8 +136,17 @@
             <p14:sldId id="259"/>
             <p14:sldId id="267"/>
             <p14:sldId id="266"/>
+            <p14:sldId id="276"/>
             <p14:sldId id="260"/>
             <p14:sldId id="261"/>
+            <p14:sldId id="268"/>
+            <p14:sldId id="270"/>
+            <p14:sldId id="271"/>
+            <p14:sldId id="272"/>
+            <p14:sldId id="269"/>
+            <p14:sldId id="273"/>
+            <p14:sldId id="274"/>
+            <p14:sldId id="275"/>
             <p14:sldId id="263"/>
           </p14:sldIdLst>
         </p14:section>
@@ -3094,7 +3112,7 @@
           <a:p>
             <a:r>
               <a:rPr lang="en-US" altLang="zh-TW" dirty="0"/>
-              <a:t>Connection</a:t>
+              <a:t>UI/UX</a:t>
             </a:r>
             <a:endParaRPr lang="zh-TW" altLang="en-US" dirty="0"/>
           </a:p>
@@ -3115,14 +3133,45 @@
           <a:bodyPr/>
           <a:lstStyle/>
           <a:p>
-            <a:endParaRPr lang="zh-TW" altLang="en-US"/>
+            <a:r>
+              <a:rPr lang="en-US" altLang="zh-TW" dirty="0"/>
+              <a:t>3</a:t>
+            </a:r>
+            <a:r>
+              <a:rPr lang="zh-TW" altLang="en-US" dirty="0"/>
+              <a:t>個頁面 </a:t>
+            </a:r>
+            <a:r>
+              <a:rPr lang="en-US" altLang="zh-TW" dirty="0">
+                <a:sym typeface="Wingdings" panose="05000000000000000000" pitchFamily="2" charset="2"/>
+              </a:rPr>
+              <a:t></a:t>
+            </a:r>
+            <a:r>
+              <a:rPr lang="zh-TW" altLang="en-US" dirty="0">
+                <a:sym typeface="Wingdings" panose="05000000000000000000" pitchFamily="2" charset="2"/>
+              </a:rPr>
+              <a:t> 頁面的跳轉</a:t>
+            </a:r>
+            <a:endParaRPr lang="en-US" altLang="zh-TW" dirty="0">
+              <a:sym typeface="Wingdings" panose="05000000000000000000" pitchFamily="2" charset="2"/>
+            </a:endParaRPr>
+          </a:p>
+          <a:p>
+            <a:r>
+              <a:rPr lang="zh-TW" altLang="en-US" dirty="0">
+                <a:sym typeface="Wingdings" panose="05000000000000000000" pitchFamily="2" charset="2"/>
+              </a:rPr>
+              <a:t> </a:t>
+            </a:r>
+            <a:endParaRPr lang="zh-TW" altLang="en-US" dirty="0"/>
           </a:p>
         </p:txBody>
       </p:sp>
     </p:spTree>
     <p:extLst>
       <p:ext uri="{BB962C8B-B14F-4D97-AF65-F5344CB8AC3E}">
-        <p14:creationId xmlns:p14="http://schemas.microsoft.com/office/powerpoint/2010/main" val="2087182266"/>
+        <p14:creationId xmlns:p14="http://schemas.microsoft.com/office/powerpoint/2010/main" val="2072839250"/>
       </p:ext>
     </p:extLst>
   </p:cSld>
@@ -3151,7 +3200,7 @@
       </p:grpSpPr>
       <p:sp>
         <p:nvSpPr>
-          <p:cNvPr id="2" name="標題 1"/>
+          <p:cNvPr id="5" name="標題 4"/>
           <p:cNvSpPr>
             <a:spLocks noGrp="1"/>
           </p:cNvSpPr>
@@ -3166,7 +3215,7 @@
           <a:p>
             <a:r>
               <a:rPr lang="en-US" altLang="zh-TW" dirty="0"/>
-              <a:t>Demo</a:t>
+              <a:t>Connection</a:t>
             </a:r>
             <a:endParaRPr lang="zh-TW" altLang="en-US" dirty="0"/>
           </a:p>
@@ -3174,7 +3223,7 @@
       </p:sp>
       <p:sp>
         <p:nvSpPr>
-          <p:cNvPr id="3" name="文字版面配置區 2"/>
+          <p:cNvPr id="6" name="文字版面配置區 5"/>
           <p:cNvSpPr>
             <a:spLocks noGrp="1"/>
           </p:cNvSpPr>
@@ -3194,7 +3243,587 @@
     </p:spTree>
     <p:extLst>
       <p:ext uri="{BB962C8B-B14F-4D97-AF65-F5344CB8AC3E}">
-        <p14:creationId xmlns:p14="http://schemas.microsoft.com/office/powerpoint/2010/main" val="3856631774"/>
+        <p14:creationId xmlns:p14="http://schemas.microsoft.com/office/powerpoint/2010/main" val="2087182266"/>
+      </p:ext>
+    </p:extLst>
+  </p:cSld>
+  <p:clrMapOvr>
+    <a:masterClrMapping/>
+  </p:clrMapOvr>
+</p:sld>
+</file>
+
+<file path=ppt/slides/slide12.xml><?xml version="1.0" encoding="utf-8"?>
+<p:sld xmlns:a="http://schemas.openxmlformats.org/drawingml/2006/main" xmlns:r="http://schemas.openxmlformats.org/officeDocument/2006/relationships" xmlns:p="http://schemas.openxmlformats.org/presentationml/2006/main">
+  <p:cSld>
+    <p:spTree>
+      <p:nvGrpSpPr>
+        <p:cNvPr id="1" name=""/>
+        <p:cNvGrpSpPr/>
+        <p:nvPr/>
+      </p:nvGrpSpPr>
+      <p:grpSpPr>
+        <a:xfrm>
+          <a:off x="0" y="0"/>
+          <a:ext cx="0" cy="0"/>
+          <a:chOff x="0" y="0"/>
+          <a:chExt cx="0" cy="0"/>
+        </a:xfrm>
+      </p:grpSpPr>
+      <p:sp>
+        <p:nvSpPr>
+          <p:cNvPr id="6" name="標題 5">
+            <a:extLst>
+              <a:ext uri="{FF2B5EF4-FFF2-40B4-BE49-F238E27FC236}">
+                <a16:creationId xmlns:a16="http://schemas.microsoft.com/office/drawing/2014/main" id="{8643A422-43CC-4EC4-8B35-2A07B580206C}"/>
+              </a:ext>
+            </a:extLst>
+          </p:cNvPr>
+          <p:cNvSpPr>
+            <a:spLocks noGrp="1"/>
+          </p:cNvSpPr>
+          <p:nvPr>
+            <p:ph type="title"/>
+          </p:nvPr>
+        </p:nvSpPr>
+        <p:spPr/>
+        <p:txBody>
+          <a:bodyPr/>
+          <a:lstStyle/>
+          <a:p>
+            <a:pPr algn="ctr"/>
+            <a:r>
+              <a:rPr lang="en-US" altLang="zh-TW"/>
+              <a:t>server</a:t>
+            </a:r>
+            <a:endParaRPr lang="zh-TW" altLang="en-US" dirty="0"/>
+          </a:p>
+        </p:txBody>
+      </p:sp>
+      <p:pic>
+        <p:nvPicPr>
+          <p:cNvPr id="10" name="內容版面配置區 9" descr="一張含有 文字 的圖片&#10;&#10;自動產生的描述">
+            <a:extLst>
+              <a:ext uri="{FF2B5EF4-FFF2-40B4-BE49-F238E27FC236}">
+                <a16:creationId xmlns:a16="http://schemas.microsoft.com/office/drawing/2014/main" id="{5F96CE9F-3725-482F-A10C-D45D18B71CDF}"/>
+              </a:ext>
+            </a:extLst>
+          </p:cNvPr>
+          <p:cNvPicPr>
+            <a:picLocks noGrp="1" noChangeAspect="1"/>
+          </p:cNvPicPr>
+          <p:nvPr>
+            <p:ph idx="1"/>
+          </p:nvPr>
+        </p:nvPicPr>
+        <p:blipFill>
+          <a:blip r:embed="rId2">
+            <a:extLst>
+              <a:ext uri="{28A0092B-C50C-407E-A947-70E740481C1C}">
+                <a14:useLocalDpi xmlns:a14="http://schemas.microsoft.com/office/drawing/2010/main" val="0"/>
+              </a:ext>
+            </a:extLst>
+          </a:blip>
+          <a:stretch>
+            <a:fillRect/>
+          </a:stretch>
+        </p:blipFill>
+        <p:spPr>
+          <a:xfrm>
+            <a:off x="1781452" y="2123344"/>
+            <a:ext cx="8629096" cy="2611311"/>
+          </a:xfrm>
+        </p:spPr>
+      </p:pic>
+    </p:spTree>
+    <p:extLst>
+      <p:ext uri="{BB962C8B-B14F-4D97-AF65-F5344CB8AC3E}">
+        <p14:creationId xmlns:p14="http://schemas.microsoft.com/office/powerpoint/2010/main" val="4035188907"/>
+      </p:ext>
+    </p:extLst>
+  </p:cSld>
+  <p:clrMapOvr>
+    <a:masterClrMapping/>
+  </p:clrMapOvr>
+</p:sld>
+</file>
+
+<file path=ppt/slides/slide13.xml><?xml version="1.0" encoding="utf-8"?>
+<p:sld xmlns:a="http://schemas.openxmlformats.org/drawingml/2006/main" xmlns:r="http://schemas.openxmlformats.org/officeDocument/2006/relationships" xmlns:p="http://schemas.openxmlformats.org/presentationml/2006/main">
+  <p:cSld>
+    <p:spTree>
+      <p:nvGrpSpPr>
+        <p:cNvPr id="1" name=""/>
+        <p:cNvGrpSpPr/>
+        <p:nvPr/>
+      </p:nvGrpSpPr>
+      <p:grpSpPr>
+        <a:xfrm>
+          <a:off x="0" y="0"/>
+          <a:ext cx="0" cy="0"/>
+          <a:chOff x="0" y="0"/>
+          <a:chExt cx="0" cy="0"/>
+        </a:xfrm>
+      </p:grpSpPr>
+      <p:pic>
+        <p:nvPicPr>
+          <p:cNvPr id="5" name="內容版面配置區 4" descr="一張含有 文字 的圖片&#10;&#10;自動產生的描述">
+            <a:extLst>
+              <a:ext uri="{FF2B5EF4-FFF2-40B4-BE49-F238E27FC236}">
+                <a16:creationId xmlns:a16="http://schemas.microsoft.com/office/drawing/2014/main" id="{2AE9ED91-AB7E-49EB-B453-E3C0D1F54EBB}"/>
+              </a:ext>
+            </a:extLst>
+          </p:cNvPr>
+          <p:cNvPicPr>
+            <a:picLocks noGrp="1" noChangeAspect="1"/>
+          </p:cNvPicPr>
+          <p:nvPr>
+            <p:ph idx="1"/>
+          </p:nvPr>
+        </p:nvPicPr>
+        <p:blipFill>
+          <a:blip r:embed="rId2">
+            <a:extLst>
+              <a:ext uri="{28A0092B-C50C-407E-A947-70E740481C1C}">
+                <a14:useLocalDpi xmlns:a14="http://schemas.microsoft.com/office/drawing/2010/main" val="0"/>
+              </a:ext>
+            </a:extLst>
+          </a:blip>
+          <a:stretch>
+            <a:fillRect/>
+          </a:stretch>
+        </p:blipFill>
+        <p:spPr>
+          <a:xfrm>
+            <a:off x="1577501" y="559391"/>
+            <a:ext cx="9036997" cy="5739218"/>
+          </a:xfrm>
+        </p:spPr>
+      </p:pic>
+    </p:spTree>
+    <p:extLst>
+      <p:ext uri="{BB962C8B-B14F-4D97-AF65-F5344CB8AC3E}">
+        <p14:creationId xmlns:p14="http://schemas.microsoft.com/office/powerpoint/2010/main" val="2630256639"/>
+      </p:ext>
+    </p:extLst>
+  </p:cSld>
+  <p:clrMapOvr>
+    <a:masterClrMapping/>
+  </p:clrMapOvr>
+</p:sld>
+</file>
+
+<file path=ppt/slides/slide14.xml><?xml version="1.0" encoding="utf-8"?>
+<p:sld xmlns:a="http://schemas.openxmlformats.org/drawingml/2006/main" xmlns:r="http://schemas.openxmlformats.org/officeDocument/2006/relationships" xmlns:p="http://schemas.openxmlformats.org/presentationml/2006/main">
+  <p:cSld>
+    <p:spTree>
+      <p:nvGrpSpPr>
+        <p:cNvPr id="1" name=""/>
+        <p:cNvGrpSpPr/>
+        <p:nvPr/>
+      </p:nvGrpSpPr>
+      <p:grpSpPr>
+        <a:xfrm>
+          <a:off x="0" y="0"/>
+          <a:ext cx="0" cy="0"/>
+          <a:chOff x="0" y="0"/>
+          <a:chExt cx="0" cy="0"/>
+        </a:xfrm>
+      </p:grpSpPr>
+      <p:pic>
+        <p:nvPicPr>
+          <p:cNvPr id="5" name="內容版面配置區 4" descr="一張含有 文字 的圖片&#10;&#10;自動產生的描述">
+            <a:extLst>
+              <a:ext uri="{FF2B5EF4-FFF2-40B4-BE49-F238E27FC236}">
+                <a16:creationId xmlns:a16="http://schemas.microsoft.com/office/drawing/2014/main" id="{B356917C-B778-4529-BAE0-DB875A7CEBE3}"/>
+              </a:ext>
+            </a:extLst>
+          </p:cNvPr>
+          <p:cNvPicPr>
+            <a:picLocks noGrp="1" noChangeAspect="1"/>
+          </p:cNvPicPr>
+          <p:nvPr>
+            <p:ph idx="1"/>
+          </p:nvPr>
+        </p:nvPicPr>
+        <p:blipFill>
+          <a:blip r:embed="rId2">
+            <a:extLst>
+              <a:ext uri="{28A0092B-C50C-407E-A947-70E740481C1C}">
+                <a14:useLocalDpi xmlns:a14="http://schemas.microsoft.com/office/drawing/2010/main" val="0"/>
+              </a:ext>
+            </a:extLst>
+          </a:blip>
+          <a:stretch>
+            <a:fillRect/>
+          </a:stretch>
+        </p:blipFill>
+        <p:spPr>
+          <a:xfrm>
+            <a:off x="1334310" y="680807"/>
+            <a:ext cx="9523379" cy="5496386"/>
+          </a:xfrm>
+        </p:spPr>
+      </p:pic>
+    </p:spTree>
+    <p:extLst>
+      <p:ext uri="{BB962C8B-B14F-4D97-AF65-F5344CB8AC3E}">
+        <p14:creationId xmlns:p14="http://schemas.microsoft.com/office/powerpoint/2010/main" val="2198233371"/>
+      </p:ext>
+    </p:extLst>
+  </p:cSld>
+  <p:clrMapOvr>
+    <a:masterClrMapping/>
+  </p:clrMapOvr>
+</p:sld>
+</file>
+
+<file path=ppt/slides/slide15.xml><?xml version="1.0" encoding="utf-8"?>
+<p:sld xmlns:a="http://schemas.openxmlformats.org/drawingml/2006/main" xmlns:r="http://schemas.openxmlformats.org/officeDocument/2006/relationships" xmlns:p="http://schemas.openxmlformats.org/presentationml/2006/main">
+  <p:cSld>
+    <p:spTree>
+      <p:nvGrpSpPr>
+        <p:cNvPr id="1" name=""/>
+        <p:cNvGrpSpPr/>
+        <p:nvPr/>
+      </p:nvGrpSpPr>
+      <p:grpSpPr>
+        <a:xfrm>
+          <a:off x="0" y="0"/>
+          <a:ext cx="0" cy="0"/>
+          <a:chOff x="0" y="0"/>
+          <a:chExt cx="0" cy="0"/>
+        </a:xfrm>
+      </p:grpSpPr>
+      <p:pic>
+        <p:nvPicPr>
+          <p:cNvPr id="5" name="內容版面配置區 4" descr="一張含有 文字 的圖片&#10;&#10;自動產生的描述">
+            <a:extLst>
+              <a:ext uri="{FF2B5EF4-FFF2-40B4-BE49-F238E27FC236}">
+                <a16:creationId xmlns:a16="http://schemas.microsoft.com/office/drawing/2014/main" id="{0F85239A-72C3-4DEA-992C-A724BB411C3F}"/>
+              </a:ext>
+            </a:extLst>
+          </p:cNvPr>
+          <p:cNvPicPr>
+            <a:picLocks noGrp="1" noChangeAspect="1"/>
+          </p:cNvPicPr>
+          <p:nvPr>
+            <p:ph idx="1"/>
+          </p:nvPr>
+        </p:nvPicPr>
+        <p:blipFill>
+          <a:blip r:embed="rId2">
+            <a:extLst>
+              <a:ext uri="{28A0092B-C50C-407E-A947-70E740481C1C}">
+                <a14:useLocalDpi xmlns:a14="http://schemas.microsoft.com/office/drawing/2010/main" val="0"/>
+              </a:ext>
+            </a:extLst>
+          </a:blip>
+          <a:stretch>
+            <a:fillRect/>
+          </a:stretch>
+        </p:blipFill>
+        <p:spPr>
+          <a:xfrm>
+            <a:off x="1417405" y="-126061"/>
+            <a:ext cx="11126742" cy="6505132"/>
+          </a:xfrm>
+        </p:spPr>
+      </p:pic>
+    </p:spTree>
+    <p:extLst>
+      <p:ext uri="{BB962C8B-B14F-4D97-AF65-F5344CB8AC3E}">
+        <p14:creationId xmlns:p14="http://schemas.microsoft.com/office/powerpoint/2010/main" val="1262667834"/>
+      </p:ext>
+    </p:extLst>
+  </p:cSld>
+  <p:clrMapOvr>
+    <a:masterClrMapping/>
+  </p:clrMapOvr>
+</p:sld>
+</file>
+
+<file path=ppt/slides/slide16.xml><?xml version="1.0" encoding="utf-8"?>
+<p:sld xmlns:a="http://schemas.openxmlformats.org/drawingml/2006/main" xmlns:r="http://schemas.openxmlformats.org/officeDocument/2006/relationships" xmlns:p="http://schemas.openxmlformats.org/presentationml/2006/main">
+  <p:cSld>
+    <p:spTree>
+      <p:nvGrpSpPr>
+        <p:cNvPr id="1" name=""/>
+        <p:cNvGrpSpPr/>
+        <p:nvPr/>
+      </p:nvGrpSpPr>
+      <p:grpSpPr>
+        <a:xfrm>
+          <a:off x="0" y="0"/>
+          <a:ext cx="0" cy="0"/>
+          <a:chOff x="0" y="0"/>
+          <a:chExt cx="0" cy="0"/>
+        </a:xfrm>
+      </p:grpSpPr>
+      <p:sp>
+        <p:nvSpPr>
+          <p:cNvPr id="2" name="標題 1">
+            <a:extLst>
+              <a:ext uri="{FF2B5EF4-FFF2-40B4-BE49-F238E27FC236}">
+                <a16:creationId xmlns:a16="http://schemas.microsoft.com/office/drawing/2014/main" id="{C6E1244A-7490-4F37-9E34-89819D5C08E9}"/>
+              </a:ext>
+            </a:extLst>
+          </p:cNvPr>
+          <p:cNvSpPr>
+            <a:spLocks noGrp="1"/>
+          </p:cNvSpPr>
+          <p:nvPr>
+            <p:ph type="title"/>
+          </p:nvPr>
+        </p:nvSpPr>
+        <p:spPr/>
+        <p:txBody>
+          <a:bodyPr/>
+          <a:lstStyle/>
+          <a:p>
+            <a:pPr algn="ctr"/>
+            <a:r>
+              <a:rPr lang="en-US" altLang="zh-TW" dirty="0"/>
+              <a:t>client</a:t>
+            </a:r>
+            <a:endParaRPr lang="zh-TW" altLang="en-US" dirty="0"/>
+          </a:p>
+        </p:txBody>
+      </p:sp>
+      <p:pic>
+        <p:nvPicPr>
+          <p:cNvPr id="5" name="內容版面配置區 4" descr="一張含有 文字 的圖片&#10;&#10;自動產生的描述">
+            <a:extLst>
+              <a:ext uri="{FF2B5EF4-FFF2-40B4-BE49-F238E27FC236}">
+                <a16:creationId xmlns:a16="http://schemas.microsoft.com/office/drawing/2014/main" id="{E773C931-0BD9-4ACF-8F16-159B03FD8C35}"/>
+              </a:ext>
+            </a:extLst>
+          </p:cNvPr>
+          <p:cNvPicPr>
+            <a:picLocks noGrp="1" noChangeAspect="1"/>
+          </p:cNvPicPr>
+          <p:nvPr>
+            <p:ph idx="1"/>
+          </p:nvPr>
+        </p:nvPicPr>
+        <p:blipFill>
+          <a:blip r:embed="rId2">
+            <a:extLst>
+              <a:ext uri="{28A0092B-C50C-407E-A947-70E740481C1C}">
+                <a14:useLocalDpi xmlns:a14="http://schemas.microsoft.com/office/drawing/2010/main" val="0"/>
+              </a:ext>
+            </a:extLst>
+          </a:blip>
+          <a:stretch>
+            <a:fillRect/>
+          </a:stretch>
+        </p:blipFill>
+        <p:spPr>
+          <a:xfrm>
+            <a:off x="1368358" y="1690688"/>
+            <a:ext cx="9455284" cy="4036979"/>
+          </a:xfrm>
+        </p:spPr>
+      </p:pic>
+    </p:spTree>
+    <p:extLst>
+      <p:ext uri="{BB962C8B-B14F-4D97-AF65-F5344CB8AC3E}">
+        <p14:creationId xmlns:p14="http://schemas.microsoft.com/office/powerpoint/2010/main" val="671913653"/>
+      </p:ext>
+    </p:extLst>
+  </p:cSld>
+  <p:clrMapOvr>
+    <a:masterClrMapping/>
+  </p:clrMapOvr>
+</p:sld>
+</file>
+
+<file path=ppt/slides/slide17.xml><?xml version="1.0" encoding="utf-8"?>
+<p:sld xmlns:a="http://schemas.openxmlformats.org/drawingml/2006/main" xmlns:r="http://schemas.openxmlformats.org/officeDocument/2006/relationships" xmlns:p="http://schemas.openxmlformats.org/presentationml/2006/main">
+  <p:cSld>
+    <p:spTree>
+      <p:nvGrpSpPr>
+        <p:cNvPr id="1" name=""/>
+        <p:cNvGrpSpPr/>
+        <p:nvPr/>
+      </p:nvGrpSpPr>
+      <p:grpSpPr>
+        <a:xfrm>
+          <a:off x="0" y="0"/>
+          <a:ext cx="0" cy="0"/>
+          <a:chOff x="0" y="0"/>
+          <a:chExt cx="0" cy="0"/>
+        </a:xfrm>
+      </p:grpSpPr>
+      <p:pic>
+        <p:nvPicPr>
+          <p:cNvPr id="5" name="內容版面配置區 4" descr="一張含有 文字 的圖片&#10;&#10;自動產生的描述">
+            <a:extLst>
+              <a:ext uri="{FF2B5EF4-FFF2-40B4-BE49-F238E27FC236}">
+                <a16:creationId xmlns:a16="http://schemas.microsoft.com/office/drawing/2014/main" id="{2101F65D-4CEB-4BA7-A0DD-B356BF4B4228}"/>
+              </a:ext>
+            </a:extLst>
+          </p:cNvPr>
+          <p:cNvPicPr>
+            <a:picLocks noGrp="1" noChangeAspect="1"/>
+          </p:cNvPicPr>
+          <p:nvPr>
+            <p:ph idx="1"/>
+          </p:nvPr>
+        </p:nvPicPr>
+        <p:blipFill>
+          <a:blip r:embed="rId2">
+            <a:extLst>
+              <a:ext uri="{28A0092B-C50C-407E-A947-70E740481C1C}">
+                <a14:useLocalDpi xmlns:a14="http://schemas.microsoft.com/office/drawing/2010/main" val="0"/>
+              </a:ext>
+            </a:extLst>
+          </a:blip>
+          <a:stretch>
+            <a:fillRect/>
+          </a:stretch>
+        </p:blipFill>
+        <p:spPr>
+          <a:xfrm>
+            <a:off x="1246761" y="676123"/>
+            <a:ext cx="9698477" cy="5505754"/>
+          </a:xfrm>
+        </p:spPr>
+      </p:pic>
+    </p:spTree>
+    <p:extLst>
+      <p:ext uri="{BB962C8B-B14F-4D97-AF65-F5344CB8AC3E}">
+        <p14:creationId xmlns:p14="http://schemas.microsoft.com/office/powerpoint/2010/main" val="2209301708"/>
+      </p:ext>
+    </p:extLst>
+  </p:cSld>
+  <p:clrMapOvr>
+    <a:masterClrMapping/>
+  </p:clrMapOvr>
+</p:sld>
+</file>
+
+<file path=ppt/slides/slide18.xml><?xml version="1.0" encoding="utf-8"?>
+<p:sld xmlns:a="http://schemas.openxmlformats.org/drawingml/2006/main" xmlns:r="http://schemas.openxmlformats.org/officeDocument/2006/relationships" xmlns:p="http://schemas.openxmlformats.org/presentationml/2006/main">
+  <p:cSld>
+    <p:spTree>
+      <p:nvGrpSpPr>
+        <p:cNvPr id="1" name=""/>
+        <p:cNvGrpSpPr/>
+        <p:nvPr/>
+      </p:nvGrpSpPr>
+      <p:grpSpPr>
+        <a:xfrm>
+          <a:off x="0" y="0"/>
+          <a:ext cx="0" cy="0"/>
+          <a:chOff x="0" y="0"/>
+          <a:chExt cx="0" cy="0"/>
+        </a:xfrm>
+      </p:grpSpPr>
+      <p:pic>
+        <p:nvPicPr>
+          <p:cNvPr id="5" name="內容版面配置區 4" descr="一張含有 文字 的圖片&#10;&#10;自動產生的描述">
+            <a:extLst>
+              <a:ext uri="{FF2B5EF4-FFF2-40B4-BE49-F238E27FC236}">
+                <a16:creationId xmlns:a16="http://schemas.microsoft.com/office/drawing/2014/main" id="{195E81A2-F2CD-4A61-B8BD-EC8060BF180F}"/>
+              </a:ext>
+            </a:extLst>
+          </p:cNvPr>
+          <p:cNvPicPr>
+            <a:picLocks noGrp="1" noChangeAspect="1"/>
+          </p:cNvPicPr>
+          <p:nvPr>
+            <p:ph idx="1"/>
+          </p:nvPr>
+        </p:nvPicPr>
+        <p:blipFill>
+          <a:blip r:embed="rId2">
+            <a:extLst>
+              <a:ext uri="{28A0092B-C50C-407E-A947-70E740481C1C}">
+                <a14:useLocalDpi xmlns:a14="http://schemas.microsoft.com/office/drawing/2010/main" val="0"/>
+              </a:ext>
+            </a:extLst>
+          </a:blip>
+          <a:stretch>
+            <a:fillRect/>
+          </a:stretch>
+        </p:blipFill>
+        <p:spPr>
+          <a:xfrm>
+            <a:off x="1654733" y="1223931"/>
+            <a:ext cx="8882533" cy="4410137"/>
+          </a:xfrm>
+        </p:spPr>
+      </p:pic>
+    </p:spTree>
+    <p:extLst>
+      <p:ext uri="{BB962C8B-B14F-4D97-AF65-F5344CB8AC3E}">
+        <p14:creationId xmlns:p14="http://schemas.microsoft.com/office/powerpoint/2010/main" val="560982669"/>
+      </p:ext>
+    </p:extLst>
+  </p:cSld>
+  <p:clrMapOvr>
+    <a:masterClrMapping/>
+  </p:clrMapOvr>
+</p:sld>
+</file>
+
+<file path=ppt/slides/slide19.xml><?xml version="1.0" encoding="utf-8"?>
+<p:sld xmlns:a="http://schemas.openxmlformats.org/drawingml/2006/main" xmlns:r="http://schemas.openxmlformats.org/officeDocument/2006/relationships" xmlns:p="http://schemas.openxmlformats.org/presentationml/2006/main">
+  <p:cSld>
+    <p:spTree>
+      <p:nvGrpSpPr>
+        <p:cNvPr id="1" name=""/>
+        <p:cNvGrpSpPr/>
+        <p:nvPr/>
+      </p:nvGrpSpPr>
+      <p:grpSpPr>
+        <a:xfrm>
+          <a:off x="0" y="0"/>
+          <a:ext cx="0" cy="0"/>
+          <a:chOff x="0" y="0"/>
+          <a:chExt cx="0" cy="0"/>
+        </a:xfrm>
+      </p:grpSpPr>
+      <p:pic>
+        <p:nvPicPr>
+          <p:cNvPr id="5" name="內容版面配置區 4" descr="一張含有 文字 的圖片&#10;&#10;自動產生的描述">
+            <a:extLst>
+              <a:ext uri="{FF2B5EF4-FFF2-40B4-BE49-F238E27FC236}">
+                <a16:creationId xmlns:a16="http://schemas.microsoft.com/office/drawing/2014/main" id="{AC7F2ED5-0FA8-4CEA-9487-98644F83A5E4}"/>
+              </a:ext>
+            </a:extLst>
+          </p:cNvPr>
+          <p:cNvPicPr>
+            <a:picLocks noGrp="1" noChangeAspect="1"/>
+          </p:cNvPicPr>
+          <p:nvPr>
+            <p:ph idx="1"/>
+          </p:nvPr>
+        </p:nvPicPr>
+        <p:blipFill>
+          <a:blip r:embed="rId2">
+            <a:extLst>
+              <a:ext uri="{28A0092B-C50C-407E-A947-70E740481C1C}">
+                <a14:useLocalDpi xmlns:a14="http://schemas.microsoft.com/office/drawing/2010/main" val="0"/>
+              </a:ext>
+            </a:extLst>
+          </a:blip>
+          <a:stretch>
+            <a:fillRect/>
+          </a:stretch>
+        </p:blipFill>
+        <p:spPr>
+          <a:xfrm>
+            <a:off x="1397541" y="767552"/>
+            <a:ext cx="9396918" cy="5322895"/>
+          </a:xfrm>
+        </p:spPr>
+      </p:pic>
+    </p:spTree>
+    <p:extLst>
+      <p:ext uri="{BB962C8B-B14F-4D97-AF65-F5344CB8AC3E}">
+        <p14:creationId xmlns:p14="http://schemas.microsoft.com/office/powerpoint/2010/main" val="1192585557"/>
       </p:ext>
     </p:extLst>
   </p:cSld>
@@ -3266,6 +3895,78 @@
     <p:extLst>
       <p:ext uri="{BB962C8B-B14F-4D97-AF65-F5344CB8AC3E}">
         <p14:creationId xmlns:p14="http://schemas.microsoft.com/office/powerpoint/2010/main" val="2803518394"/>
+      </p:ext>
+    </p:extLst>
+  </p:cSld>
+  <p:clrMapOvr>
+    <a:masterClrMapping/>
+  </p:clrMapOvr>
+</p:sld>
+</file>
+
+<file path=ppt/slides/slide20.xml><?xml version="1.0" encoding="utf-8"?>
+<p:sld xmlns:a="http://schemas.openxmlformats.org/drawingml/2006/main" xmlns:r="http://schemas.openxmlformats.org/officeDocument/2006/relationships" xmlns:p="http://schemas.openxmlformats.org/presentationml/2006/main">
+  <p:cSld>
+    <p:spTree>
+      <p:nvGrpSpPr>
+        <p:cNvPr id="1" name=""/>
+        <p:cNvGrpSpPr/>
+        <p:nvPr/>
+      </p:nvGrpSpPr>
+      <p:grpSpPr>
+        <a:xfrm>
+          <a:off x="0" y="0"/>
+          <a:ext cx="0" cy="0"/>
+          <a:chOff x="0" y="0"/>
+          <a:chExt cx="0" cy="0"/>
+        </a:xfrm>
+      </p:grpSpPr>
+      <p:sp>
+        <p:nvSpPr>
+          <p:cNvPr id="2" name="標題 1"/>
+          <p:cNvSpPr>
+            <a:spLocks noGrp="1"/>
+          </p:cNvSpPr>
+          <p:nvPr>
+            <p:ph type="title"/>
+          </p:nvPr>
+        </p:nvSpPr>
+        <p:spPr/>
+        <p:txBody>
+          <a:bodyPr/>
+          <a:lstStyle/>
+          <a:p>
+            <a:r>
+              <a:rPr lang="en-US" altLang="zh-TW" dirty="0"/>
+              <a:t>Demo</a:t>
+            </a:r>
+            <a:endParaRPr lang="zh-TW" altLang="en-US" dirty="0"/>
+          </a:p>
+        </p:txBody>
+      </p:sp>
+      <p:sp>
+        <p:nvSpPr>
+          <p:cNvPr id="3" name="文字版面配置區 2"/>
+          <p:cNvSpPr>
+            <a:spLocks noGrp="1"/>
+          </p:cNvSpPr>
+          <p:nvPr>
+            <p:ph type="body" idx="1"/>
+          </p:nvPr>
+        </p:nvSpPr>
+        <p:spPr/>
+        <p:txBody>
+          <a:bodyPr/>
+          <a:lstStyle/>
+          <a:p>
+            <a:endParaRPr lang="zh-TW" altLang="en-US"/>
+          </a:p>
+        </p:txBody>
+      </p:sp>
+    </p:spTree>
+    <p:extLst>
+      <p:ext uri="{BB962C8B-B14F-4D97-AF65-F5344CB8AC3E}">
+        <p14:creationId xmlns:p14="http://schemas.microsoft.com/office/powerpoint/2010/main" val="3856631774"/>
       </p:ext>
     </p:extLst>
   </p:cSld>
@@ -3622,10 +4323,9 @@
           <a:lstStyle/>
           <a:p>
             <a:r>
-              <a:rPr lang="zh-TW" altLang="en-US" dirty="0" smtClean="0"/>
+              <a:rPr lang="zh-TW" altLang="en-US" dirty="0"/>
               <a:t>循序圖</a:t>
             </a:r>
-            <a:endParaRPr lang="zh-TW" altLang="en-US" dirty="0"/>
           </a:p>
         </p:txBody>
       </p:sp>
@@ -3812,7 +4512,13 @@
       </p:grpSpPr>
       <p:sp>
         <p:nvSpPr>
-          <p:cNvPr id="5" name="標題 4"/>
+          <p:cNvPr id="6" name="標題 5">
+            <a:extLst>
+              <a:ext uri="{FF2B5EF4-FFF2-40B4-BE49-F238E27FC236}">
+                <a16:creationId xmlns:a16="http://schemas.microsoft.com/office/drawing/2014/main" id="{C51B060F-CF29-4C4A-9352-908BE934DDF3}"/>
+              </a:ext>
+            </a:extLst>
+          </p:cNvPr>
           <p:cNvSpPr>
             <a:spLocks noGrp="1"/>
           </p:cNvSpPr>
@@ -3825,68 +4531,39 @@
           <a:bodyPr/>
           <a:lstStyle/>
           <a:p>
-            <a:r>
-              <a:rPr lang="en-US" altLang="zh-TW" dirty="0" smtClean="0"/>
-              <a:t>UI/UX</a:t>
-            </a:r>
             <a:endParaRPr lang="zh-TW" altLang="en-US" dirty="0"/>
           </a:p>
         </p:txBody>
       </p:sp>
       <p:sp>
         <p:nvSpPr>
-          <p:cNvPr id="6" name="文字版面配置區 5"/>
-          <p:cNvSpPr>
-            <a:spLocks noGrp="1"/>
-          </p:cNvSpPr>
-          <p:nvPr>
-            <p:ph type="body" idx="1"/>
-          </p:nvPr>
-        </p:nvSpPr>
-        <p:spPr/>
-        <p:txBody>
-          <a:bodyPr/>
-          <a:lstStyle/>
-          <a:p>
-            <a:r>
-              <a:rPr lang="en-US" altLang="zh-TW" dirty="0" smtClean="0"/>
-              <a:t>3</a:t>
-            </a:r>
-            <a:r>
-              <a:rPr lang="zh-TW" altLang="en-US" dirty="0" smtClean="0"/>
-              <a:t>個頁面 </a:t>
-            </a:r>
-            <a:r>
-              <a:rPr lang="en-US" altLang="zh-TW" dirty="0" smtClean="0">
-                <a:sym typeface="Wingdings" panose="05000000000000000000" pitchFamily="2" charset="2"/>
-              </a:rPr>
-              <a:t></a:t>
-            </a:r>
-            <a:r>
-              <a:rPr lang="zh-TW" altLang="en-US" dirty="0" smtClean="0">
-                <a:sym typeface="Wingdings" panose="05000000000000000000" pitchFamily="2" charset="2"/>
-              </a:rPr>
-              <a:t> 頁面的跳轉</a:t>
-            </a:r>
-            <a:endParaRPr lang="en-US" altLang="zh-TW" dirty="0" smtClean="0">
-              <a:sym typeface="Wingdings" panose="05000000000000000000" pitchFamily="2" charset="2"/>
-            </a:endParaRPr>
-          </a:p>
-          <a:p>
-            <a:r>
-              <a:rPr lang="zh-TW" altLang="en-US" dirty="0" smtClean="0">
-                <a:sym typeface="Wingdings" panose="05000000000000000000" pitchFamily="2" charset="2"/>
-              </a:rPr>
-              <a:t> </a:t>
-            </a:r>
-            <a:endParaRPr lang="zh-TW" altLang="en-US" dirty="0"/>
+          <p:cNvPr id="7" name="內容版面配置區 6">
+            <a:extLst>
+              <a:ext uri="{FF2B5EF4-FFF2-40B4-BE49-F238E27FC236}">
+                <a16:creationId xmlns:a16="http://schemas.microsoft.com/office/drawing/2014/main" id="{34DC10D9-81E0-4B66-B1C4-6FD9044738BA}"/>
+              </a:ext>
+            </a:extLst>
+          </p:cNvPr>
+          <p:cNvSpPr>
+            <a:spLocks noGrp="1"/>
+          </p:cNvSpPr>
+          <p:nvPr>
+            <p:ph idx="1"/>
+          </p:nvPr>
+        </p:nvSpPr>
+        <p:spPr/>
+        <p:txBody>
+          <a:bodyPr/>
+          <a:lstStyle/>
+          <a:p>
+            <a:endParaRPr lang="zh-TW" altLang="en-US"/>
           </a:p>
         </p:txBody>
       </p:sp>
     </p:spTree>
     <p:extLst>
       <p:ext uri="{BB962C8B-B14F-4D97-AF65-F5344CB8AC3E}">
-        <p14:creationId xmlns:p14="http://schemas.microsoft.com/office/powerpoint/2010/main" val="2072839250"/>
+        <p14:creationId xmlns:p14="http://schemas.microsoft.com/office/powerpoint/2010/main" val="3950632297"/>
       </p:ext>
     </p:extLst>
   </p:cSld>

--- a/reff/PPT.pptx
+++ b/reff/PPT.pptx
@@ -13,18 +13,21 @@
     <p:sldId id="259" r:id="rId7"/>
     <p:sldId id="267" r:id="rId8"/>
     <p:sldId id="266" r:id="rId9"/>
-    <p:sldId id="276" r:id="rId10"/>
-    <p:sldId id="260" r:id="rId11"/>
-    <p:sldId id="261" r:id="rId12"/>
-    <p:sldId id="268" r:id="rId13"/>
-    <p:sldId id="270" r:id="rId14"/>
-    <p:sldId id="271" r:id="rId15"/>
-    <p:sldId id="272" r:id="rId16"/>
-    <p:sldId id="269" r:id="rId17"/>
-    <p:sldId id="273" r:id="rId18"/>
-    <p:sldId id="274" r:id="rId19"/>
-    <p:sldId id="275" r:id="rId20"/>
-    <p:sldId id="263" r:id="rId21"/>
+    <p:sldId id="278" r:id="rId10"/>
+    <p:sldId id="279" r:id="rId11"/>
+    <p:sldId id="280" r:id="rId12"/>
+    <p:sldId id="260" r:id="rId13"/>
+    <p:sldId id="277" r:id="rId14"/>
+    <p:sldId id="261" r:id="rId15"/>
+    <p:sldId id="268" r:id="rId16"/>
+    <p:sldId id="270" r:id="rId17"/>
+    <p:sldId id="271" r:id="rId18"/>
+    <p:sldId id="272" r:id="rId19"/>
+    <p:sldId id="269" r:id="rId20"/>
+    <p:sldId id="273" r:id="rId21"/>
+    <p:sldId id="274" r:id="rId22"/>
+    <p:sldId id="275" r:id="rId23"/>
+    <p:sldId id="263" r:id="rId24"/>
   </p:sldIdLst>
   <p:sldSz cx="12192000" cy="6858000"/>
   <p:notesSz cx="6858000" cy="9144000"/>
@@ -136,8 +139,11 @@
             <p14:sldId id="259"/>
             <p14:sldId id="267"/>
             <p14:sldId id="266"/>
-            <p14:sldId id="276"/>
+            <p14:sldId id="278"/>
+            <p14:sldId id="279"/>
+            <p14:sldId id="280"/>
             <p14:sldId id="260"/>
+            <p14:sldId id="277"/>
             <p14:sldId id="261"/>
             <p14:sldId id="268"/>
             <p14:sldId id="270"/>
@@ -3095,89 +3101,222 @@
           <a:chExt cx="0" cy="0"/>
         </a:xfrm>
       </p:grpSpPr>
-      <p:sp>
-        <p:nvSpPr>
-          <p:cNvPr id="5" name="標題 4"/>
-          <p:cNvSpPr>
-            <a:spLocks noGrp="1"/>
-          </p:cNvSpPr>
-          <p:nvPr>
-            <p:ph type="title"/>
-          </p:nvPr>
-        </p:nvSpPr>
-        <p:spPr/>
-        <p:txBody>
-          <a:bodyPr/>
-          <a:lstStyle/>
-          <a:p>
-            <a:r>
-              <a:rPr lang="en-US" altLang="zh-TW" dirty="0"/>
-              <a:t>UI/UX</a:t>
-            </a:r>
-            <a:endParaRPr lang="zh-TW" altLang="en-US" dirty="0"/>
-          </a:p>
-        </p:txBody>
-      </p:sp>
-      <p:sp>
-        <p:nvSpPr>
-          <p:cNvPr id="6" name="文字版面配置區 5"/>
-          <p:cNvSpPr>
-            <a:spLocks noGrp="1"/>
-          </p:cNvSpPr>
-          <p:nvPr>
-            <p:ph type="body" idx="1"/>
-          </p:nvPr>
-        </p:nvSpPr>
-        <p:spPr/>
-        <p:txBody>
-          <a:bodyPr/>
-          <a:lstStyle/>
-          <a:p>
-            <a:r>
-              <a:rPr lang="en-US" altLang="zh-TW" dirty="0"/>
-              <a:t>3</a:t>
-            </a:r>
-            <a:r>
-              <a:rPr lang="zh-TW" altLang="en-US" dirty="0"/>
-              <a:t>個頁面 </a:t>
-            </a:r>
-            <a:r>
-              <a:rPr lang="en-US" altLang="zh-TW" dirty="0">
-                <a:sym typeface="Wingdings" panose="05000000000000000000" pitchFamily="2" charset="2"/>
-              </a:rPr>
-              <a:t></a:t>
-            </a:r>
-            <a:r>
-              <a:rPr lang="zh-TW" altLang="en-US" dirty="0">
-                <a:sym typeface="Wingdings" panose="05000000000000000000" pitchFamily="2" charset="2"/>
-              </a:rPr>
-              <a:t> 頁面的跳轉</a:t>
-            </a:r>
-            <a:endParaRPr lang="en-US" altLang="zh-TW" dirty="0">
-              <a:sym typeface="Wingdings" panose="05000000000000000000" pitchFamily="2" charset="2"/>
-            </a:endParaRPr>
-          </a:p>
-          <a:p>
-            <a:r>
-              <a:rPr lang="zh-TW" altLang="en-US" dirty="0">
-                <a:sym typeface="Wingdings" panose="05000000000000000000" pitchFamily="2" charset="2"/>
-              </a:rPr>
-              <a:t> </a:t>
-            </a:r>
-            <a:endParaRPr lang="zh-TW" altLang="en-US" dirty="0"/>
+      <p:pic>
+        <p:nvPicPr>
+          <p:cNvPr id="4" name="圖片 3"/>
+          <p:cNvPicPr>
+            <a:picLocks noChangeAspect="1"/>
+          </p:cNvPicPr>
+          <p:nvPr/>
+        </p:nvPicPr>
+        <p:blipFill>
+          <a:blip r:embed="rId2"/>
+          <a:stretch>
+            <a:fillRect/>
+          </a:stretch>
+        </p:blipFill>
+        <p:spPr>
+          <a:xfrm>
+            <a:off x="3418295" y="178971"/>
+            <a:ext cx="4563112" cy="2657846"/>
+          </a:xfrm>
+          <a:prstGeom prst="rect">
+            <a:avLst/>
+          </a:prstGeom>
+        </p:spPr>
+      </p:pic>
+      <p:pic>
+        <p:nvPicPr>
+          <p:cNvPr id="5" name="圖片 4"/>
+          <p:cNvPicPr>
+            <a:picLocks noChangeAspect="1"/>
+          </p:cNvPicPr>
+          <p:nvPr/>
+        </p:nvPicPr>
+        <p:blipFill>
+          <a:blip r:embed="rId3"/>
+          <a:stretch>
+            <a:fillRect/>
+          </a:stretch>
+        </p:blipFill>
+        <p:spPr>
+          <a:xfrm>
+            <a:off x="9448801" y="2874618"/>
+            <a:ext cx="2505425" cy="3591426"/>
+          </a:xfrm>
+          <a:prstGeom prst="rect">
+            <a:avLst/>
+          </a:prstGeom>
+        </p:spPr>
+      </p:pic>
+      <p:cxnSp>
+        <p:nvCxnSpPr>
+          <p:cNvPr id="7" name="直線單箭頭接點 6"/>
+          <p:cNvCxnSpPr>
+            <a:stCxn id="5" idx="1"/>
+            <a:endCxn id="4" idx="2"/>
+          </p:cNvCxnSpPr>
+          <p:nvPr/>
+        </p:nvCxnSpPr>
+        <p:spPr>
+          <a:xfrm flipH="1" flipV="1">
+            <a:off x="5699851" y="2836817"/>
+            <a:ext cx="3748950" cy="1833514"/>
+          </a:xfrm>
+          <a:prstGeom prst="straightConnector1">
+            <a:avLst/>
+          </a:prstGeom>
+          <a:ln>
+            <a:tailEnd type="triangle"/>
+          </a:ln>
+        </p:spPr>
+        <p:style>
+          <a:lnRef idx="1">
+            <a:schemeClr val="accent1"/>
+          </a:lnRef>
+          <a:fillRef idx="0">
+            <a:schemeClr val="accent1"/>
+          </a:fillRef>
+          <a:effectRef idx="0">
+            <a:schemeClr val="accent1"/>
+          </a:effectRef>
+          <a:fontRef idx="minor">
+            <a:schemeClr val="tx1"/>
+          </a:fontRef>
+        </p:style>
+      </p:cxnSp>
+      <p:sp>
+        <p:nvSpPr>
+          <p:cNvPr id="8" name="文字方塊 7"/>
+          <p:cNvSpPr txBox="1"/>
+          <p:nvPr/>
+        </p:nvSpPr>
+        <p:spPr>
+          <a:xfrm>
+            <a:off x="7650524" y="3268681"/>
+            <a:ext cx="1005841" cy="369332"/>
+          </a:xfrm>
+          <a:prstGeom prst="rect">
+            <a:avLst/>
+          </a:prstGeom>
+          <a:noFill/>
+        </p:spPr>
+        <p:txBody>
+          <a:bodyPr wrap="square" rtlCol="0">
+            <a:spAutoFit/>
+          </a:bodyPr>
+          <a:lstStyle/>
+          <a:p>
+            <a:r>
+              <a:rPr lang="en-US" altLang="zh-TW" dirty="0" smtClean="0"/>
+              <a:t>Extends</a:t>
+            </a:r>
+          </a:p>
+        </p:txBody>
+      </p:sp>
+      <p:pic>
+        <p:nvPicPr>
+          <p:cNvPr id="10" name="圖片 9"/>
+          <p:cNvPicPr>
+            <a:picLocks noChangeAspect="1"/>
+          </p:cNvPicPr>
+          <p:nvPr/>
+        </p:nvPicPr>
+        <p:blipFill>
+          <a:blip r:embed="rId4"/>
+          <a:stretch>
+            <a:fillRect/>
+          </a:stretch>
+        </p:blipFill>
+        <p:spPr>
+          <a:xfrm>
+            <a:off x="517855" y="4600662"/>
+            <a:ext cx="4372585" cy="1228896"/>
+          </a:xfrm>
+          <a:prstGeom prst="rect">
+            <a:avLst/>
+          </a:prstGeom>
+        </p:spPr>
+      </p:pic>
+      <p:cxnSp>
+        <p:nvCxnSpPr>
+          <p:cNvPr id="12" name="直線單箭頭接點 11"/>
+          <p:cNvCxnSpPr/>
+          <p:nvPr/>
+        </p:nvCxnSpPr>
+        <p:spPr>
+          <a:xfrm flipH="1">
+            <a:off x="2085972" y="2811044"/>
+            <a:ext cx="2995703" cy="1763845"/>
+          </a:xfrm>
+          <a:prstGeom prst="straightConnector1">
+            <a:avLst/>
+          </a:prstGeom>
+          <a:ln>
+            <a:tailEnd type="triangle"/>
+          </a:ln>
+        </p:spPr>
+        <p:style>
+          <a:lnRef idx="1">
+            <a:schemeClr val="accent1"/>
+          </a:lnRef>
+          <a:fillRef idx="0">
+            <a:schemeClr val="accent1"/>
+          </a:fillRef>
+          <a:effectRef idx="0">
+            <a:schemeClr val="accent1"/>
+          </a:effectRef>
+          <a:fontRef idx="minor">
+            <a:schemeClr val="tx1"/>
+          </a:fontRef>
+        </p:style>
+      </p:cxnSp>
+      <p:sp>
+        <p:nvSpPr>
+          <p:cNvPr id="13" name="文字方塊 12"/>
+          <p:cNvSpPr txBox="1"/>
+          <p:nvPr/>
+        </p:nvSpPr>
+        <p:spPr>
+          <a:xfrm>
+            <a:off x="2414829" y="3199576"/>
+            <a:ext cx="1005841" cy="369332"/>
+          </a:xfrm>
+          <a:prstGeom prst="rect">
+            <a:avLst/>
+          </a:prstGeom>
+          <a:noFill/>
+        </p:spPr>
+        <p:txBody>
+          <a:bodyPr wrap="square" rtlCol="0">
+            <a:spAutoFit/>
+          </a:bodyPr>
+          <a:lstStyle/>
+          <a:p>
+            <a:r>
+              <a:rPr lang="en-US" altLang="zh-TW" dirty="0" smtClean="0"/>
+              <a:t>Extends</a:t>
+            </a:r>
           </a:p>
         </p:txBody>
       </p:sp>
     </p:spTree>
     <p:extLst>
       <p:ext uri="{BB962C8B-B14F-4D97-AF65-F5344CB8AC3E}">
-        <p14:creationId xmlns:p14="http://schemas.microsoft.com/office/powerpoint/2010/main" val="2072839250"/>
+        <p14:creationId xmlns:p14="http://schemas.microsoft.com/office/powerpoint/2010/main" val="50238084"/>
       </p:ext>
     </p:extLst>
   </p:cSld>
   <p:clrMapOvr>
     <a:masterClrMapping/>
   </p:clrMapOvr>
+  <p:timing>
+    <p:tnLst>
+      <p:par>
+        <p:cTn id="1" dur="indefinite" restart="never" nodeType="tmRoot"/>
+      </p:par>
+    </p:tnLst>
+  </p:timing>
 </p:sld>
 </file>
 
@@ -3198,6 +3337,309 @@
           <a:chExt cx="0" cy="0"/>
         </a:xfrm>
       </p:grpSpPr>
+      <p:pic>
+        <p:nvPicPr>
+          <p:cNvPr id="6" name="圖片 5"/>
+          <p:cNvPicPr>
+            <a:picLocks noChangeAspect="1"/>
+          </p:cNvPicPr>
+          <p:nvPr/>
+        </p:nvPicPr>
+        <p:blipFill>
+          <a:blip r:embed="rId2"/>
+          <a:stretch>
+            <a:fillRect/>
+          </a:stretch>
+        </p:blipFill>
+        <p:spPr>
+          <a:xfrm>
+            <a:off x="3252390" y="1461813"/>
+            <a:ext cx="5687219" cy="3934374"/>
+          </a:xfrm>
+          <a:prstGeom prst="rect">
+            <a:avLst/>
+          </a:prstGeom>
+        </p:spPr>
+      </p:pic>
+    </p:spTree>
+    <p:extLst>
+      <p:ext uri="{BB962C8B-B14F-4D97-AF65-F5344CB8AC3E}">
+        <p14:creationId xmlns:p14="http://schemas.microsoft.com/office/powerpoint/2010/main" val="1791937319"/>
+      </p:ext>
+    </p:extLst>
+  </p:cSld>
+  <p:clrMapOvr>
+    <a:masterClrMapping/>
+  </p:clrMapOvr>
+  <p:timing>
+    <p:tnLst>
+      <p:par>
+        <p:cTn id="1" dur="indefinite" restart="never" nodeType="tmRoot"/>
+      </p:par>
+    </p:tnLst>
+  </p:timing>
+</p:sld>
+</file>
+
+<file path=ppt/slides/slide12.xml><?xml version="1.0" encoding="utf-8"?>
+<p:sld xmlns:a="http://schemas.openxmlformats.org/drawingml/2006/main" xmlns:r="http://schemas.openxmlformats.org/officeDocument/2006/relationships" xmlns:p="http://schemas.openxmlformats.org/presentationml/2006/main">
+  <p:cSld>
+    <p:spTree>
+      <p:nvGrpSpPr>
+        <p:cNvPr id="1" name=""/>
+        <p:cNvGrpSpPr/>
+        <p:nvPr/>
+      </p:nvGrpSpPr>
+      <p:grpSpPr>
+        <a:xfrm>
+          <a:off x="0" y="0"/>
+          <a:ext cx="0" cy="0"/>
+          <a:chOff x="0" y="0"/>
+          <a:chExt cx="0" cy="0"/>
+        </a:xfrm>
+      </p:grpSpPr>
+      <p:sp>
+        <p:nvSpPr>
+          <p:cNvPr id="5" name="標題 4"/>
+          <p:cNvSpPr>
+            <a:spLocks noGrp="1"/>
+          </p:cNvSpPr>
+          <p:nvPr>
+            <p:ph type="title"/>
+          </p:nvPr>
+        </p:nvSpPr>
+        <p:spPr/>
+        <p:txBody>
+          <a:bodyPr/>
+          <a:lstStyle/>
+          <a:p>
+            <a:r>
+              <a:rPr lang="en-US" altLang="zh-TW" dirty="0"/>
+              <a:t>UI/UX</a:t>
+            </a:r>
+            <a:endParaRPr lang="zh-TW" altLang="en-US" dirty="0"/>
+          </a:p>
+        </p:txBody>
+      </p:sp>
+      <p:sp>
+        <p:nvSpPr>
+          <p:cNvPr id="6" name="文字版面配置區 5"/>
+          <p:cNvSpPr>
+            <a:spLocks noGrp="1"/>
+          </p:cNvSpPr>
+          <p:nvPr>
+            <p:ph type="body" idx="1"/>
+          </p:nvPr>
+        </p:nvSpPr>
+        <p:spPr/>
+        <p:txBody>
+          <a:bodyPr/>
+          <a:lstStyle/>
+          <a:p>
+            <a:r>
+              <a:rPr lang="en-US" altLang="zh-TW" dirty="0"/>
+              <a:t>3</a:t>
+            </a:r>
+            <a:r>
+              <a:rPr lang="zh-TW" altLang="en-US" dirty="0"/>
+              <a:t>個頁面 </a:t>
+            </a:r>
+            <a:r>
+              <a:rPr lang="en-US" altLang="zh-TW" dirty="0">
+                <a:sym typeface="Wingdings" panose="05000000000000000000" pitchFamily="2" charset="2"/>
+              </a:rPr>
+              <a:t></a:t>
+            </a:r>
+            <a:r>
+              <a:rPr lang="zh-TW" altLang="en-US" dirty="0">
+                <a:sym typeface="Wingdings" panose="05000000000000000000" pitchFamily="2" charset="2"/>
+              </a:rPr>
+              <a:t> 頁面的跳轉</a:t>
+            </a:r>
+            <a:endParaRPr lang="en-US" altLang="zh-TW" dirty="0">
+              <a:sym typeface="Wingdings" panose="05000000000000000000" pitchFamily="2" charset="2"/>
+            </a:endParaRPr>
+          </a:p>
+          <a:p>
+            <a:r>
+              <a:rPr lang="zh-TW" altLang="en-US" dirty="0">
+                <a:sym typeface="Wingdings" panose="05000000000000000000" pitchFamily="2" charset="2"/>
+              </a:rPr>
+              <a:t> </a:t>
+            </a:r>
+            <a:endParaRPr lang="zh-TW" altLang="en-US" dirty="0"/>
+          </a:p>
+        </p:txBody>
+      </p:sp>
+    </p:spTree>
+    <p:extLst>
+      <p:ext uri="{BB962C8B-B14F-4D97-AF65-F5344CB8AC3E}">
+        <p14:creationId xmlns:p14="http://schemas.microsoft.com/office/powerpoint/2010/main" val="2072839250"/>
+      </p:ext>
+    </p:extLst>
+  </p:cSld>
+  <p:clrMapOvr>
+    <a:masterClrMapping/>
+  </p:clrMapOvr>
+  <p:timing>
+    <p:tnLst>
+      <p:par>
+        <p:cTn id="1" dur="indefinite" restart="never" nodeType="tmRoot"/>
+      </p:par>
+    </p:tnLst>
+  </p:timing>
+</p:sld>
+</file>
+
+<file path=ppt/slides/slide13.xml><?xml version="1.0" encoding="utf-8"?>
+<p:sld xmlns:a="http://schemas.openxmlformats.org/drawingml/2006/main" xmlns:r="http://schemas.openxmlformats.org/officeDocument/2006/relationships" xmlns:p="http://schemas.openxmlformats.org/presentationml/2006/main">
+  <p:cSld>
+    <p:spTree>
+      <p:nvGrpSpPr>
+        <p:cNvPr id="1" name=""/>
+        <p:cNvGrpSpPr/>
+        <p:nvPr/>
+      </p:nvGrpSpPr>
+      <p:grpSpPr>
+        <a:xfrm>
+          <a:off x="0" y="0"/>
+          <a:ext cx="0" cy="0"/>
+          <a:chOff x="0" y="0"/>
+          <a:chExt cx="0" cy="0"/>
+        </a:xfrm>
+      </p:grpSpPr>
+      <p:pic>
+        <p:nvPicPr>
+          <p:cNvPr id="4" name="圖片 3"/>
+          <p:cNvPicPr>
+            <a:picLocks noChangeAspect="1"/>
+          </p:cNvPicPr>
+          <p:nvPr/>
+        </p:nvPicPr>
+        <p:blipFill>
+          <a:blip r:embed="rId2"/>
+          <a:stretch>
+            <a:fillRect/>
+          </a:stretch>
+        </p:blipFill>
+        <p:spPr>
+          <a:xfrm>
+            <a:off x="305866" y="1595181"/>
+            <a:ext cx="6163535" cy="3667637"/>
+          </a:xfrm>
+          <a:prstGeom prst="rect">
+            <a:avLst/>
+          </a:prstGeom>
+        </p:spPr>
+      </p:pic>
+      <p:pic>
+        <p:nvPicPr>
+          <p:cNvPr id="5" name="圖片 4"/>
+          <p:cNvPicPr>
+            <a:picLocks noChangeAspect="1"/>
+          </p:cNvPicPr>
+          <p:nvPr/>
+        </p:nvPicPr>
+        <p:blipFill rotWithShape="1">
+          <a:blip r:embed="rId3"/>
+          <a:srcRect r="30049" b="86349"/>
+          <a:stretch/>
+        </p:blipFill>
+        <p:spPr>
+          <a:xfrm>
+            <a:off x="6828083" y="4767478"/>
+            <a:ext cx="5070608" cy="368762"/>
+          </a:xfrm>
+          <a:prstGeom prst="rect">
+            <a:avLst/>
+          </a:prstGeom>
+        </p:spPr>
+      </p:pic>
+      <p:pic>
+        <p:nvPicPr>
+          <p:cNvPr id="8" name="圖片 7"/>
+          <p:cNvPicPr>
+            <a:picLocks noChangeAspect="1"/>
+          </p:cNvPicPr>
+          <p:nvPr/>
+        </p:nvPicPr>
+        <p:blipFill>
+          <a:blip r:embed="rId4"/>
+          <a:stretch>
+            <a:fillRect/>
+          </a:stretch>
+        </p:blipFill>
+        <p:spPr>
+          <a:xfrm>
+            <a:off x="6828083" y="2991687"/>
+            <a:ext cx="5070608" cy="345723"/>
+          </a:xfrm>
+          <a:prstGeom prst="rect">
+            <a:avLst/>
+          </a:prstGeom>
+        </p:spPr>
+      </p:pic>
+      <p:pic>
+        <p:nvPicPr>
+          <p:cNvPr id="9" name="圖片 8"/>
+          <p:cNvPicPr>
+            <a:picLocks noChangeAspect="1"/>
+          </p:cNvPicPr>
+          <p:nvPr/>
+        </p:nvPicPr>
+        <p:blipFill>
+          <a:blip r:embed="rId5"/>
+          <a:stretch>
+            <a:fillRect/>
+          </a:stretch>
+        </p:blipFill>
+        <p:spPr>
+          <a:xfrm>
+            <a:off x="6828083" y="1521392"/>
+            <a:ext cx="5070608" cy="438037"/>
+          </a:xfrm>
+          <a:prstGeom prst="rect">
+            <a:avLst/>
+          </a:prstGeom>
+        </p:spPr>
+      </p:pic>
+    </p:spTree>
+    <p:extLst>
+      <p:ext uri="{BB962C8B-B14F-4D97-AF65-F5344CB8AC3E}">
+        <p14:creationId xmlns:p14="http://schemas.microsoft.com/office/powerpoint/2010/main" val="4013384633"/>
+      </p:ext>
+    </p:extLst>
+  </p:cSld>
+  <p:clrMapOvr>
+    <a:masterClrMapping/>
+  </p:clrMapOvr>
+  <p:timing>
+    <p:tnLst>
+      <p:par>
+        <p:cTn id="1" dur="indefinite" restart="never" nodeType="tmRoot"/>
+      </p:par>
+    </p:tnLst>
+  </p:timing>
+</p:sld>
+</file>
+
+<file path=ppt/slides/slide14.xml><?xml version="1.0" encoding="utf-8"?>
+<p:sld xmlns:a="http://schemas.openxmlformats.org/drawingml/2006/main" xmlns:r="http://schemas.openxmlformats.org/officeDocument/2006/relationships" xmlns:p="http://schemas.openxmlformats.org/presentationml/2006/main">
+  <p:cSld>
+    <p:spTree>
+      <p:nvGrpSpPr>
+        <p:cNvPr id="1" name=""/>
+        <p:cNvGrpSpPr/>
+        <p:nvPr/>
+      </p:nvGrpSpPr>
+      <p:grpSpPr>
+        <a:xfrm>
+          <a:off x="0" y="0"/>
+          <a:ext cx="0" cy="0"/>
+          <a:chOff x="0" y="0"/>
+          <a:chExt cx="0" cy="0"/>
+        </a:xfrm>
+      </p:grpSpPr>
       <p:sp>
         <p:nvSpPr>
           <p:cNvPr id="5" name="標題 4"/>
@@ -3250,10 +3692,17 @@
   <p:clrMapOvr>
     <a:masterClrMapping/>
   </p:clrMapOvr>
+  <p:timing>
+    <p:tnLst>
+      <p:par>
+        <p:cTn id="1" dur="indefinite" restart="never" nodeType="tmRoot"/>
+      </p:par>
+    </p:tnLst>
+  </p:timing>
 </p:sld>
 </file>
 
-<file path=ppt/slides/slide12.xml><?xml version="1.0" encoding="utf-8"?>
+<file path=ppt/slides/slide15.xml><?xml version="1.0" encoding="utf-8"?>
 <p:sld xmlns:a="http://schemas.openxmlformats.org/drawingml/2006/main" xmlns:r="http://schemas.openxmlformats.org/officeDocument/2006/relationships" xmlns:p="http://schemas.openxmlformats.org/presentationml/2006/main">
   <p:cSld>
     <p:spTree>
@@ -3348,7 +3797,7 @@
 </p:sld>
 </file>
 
-<file path=ppt/slides/slide13.xml><?xml version="1.0" encoding="utf-8"?>
+<file path=ppt/slides/slide16.xml><?xml version="1.0" encoding="utf-8"?>
 <p:sld xmlns:a="http://schemas.openxmlformats.org/drawingml/2006/main" xmlns:r="http://schemas.openxmlformats.org/officeDocument/2006/relationships" xmlns:p="http://schemas.openxmlformats.org/presentationml/2006/main">
   <p:cSld>
     <p:spTree>
@@ -3413,7 +3862,7 @@
 </p:sld>
 </file>
 
-<file path=ppt/slides/slide14.xml><?xml version="1.0" encoding="utf-8"?>
+<file path=ppt/slides/slide17.xml><?xml version="1.0" encoding="utf-8"?>
 <p:sld xmlns:a="http://schemas.openxmlformats.org/drawingml/2006/main" xmlns:r="http://schemas.openxmlformats.org/officeDocument/2006/relationships" xmlns:p="http://schemas.openxmlformats.org/presentationml/2006/main">
   <p:cSld>
     <p:spTree>
@@ -3478,7 +3927,7 @@
 </p:sld>
 </file>
 
-<file path=ppt/slides/slide15.xml><?xml version="1.0" encoding="utf-8"?>
+<file path=ppt/slides/slide18.xml><?xml version="1.0" encoding="utf-8"?>
 <p:sld xmlns:a="http://schemas.openxmlformats.org/drawingml/2006/main" xmlns:r="http://schemas.openxmlformats.org/officeDocument/2006/relationships" xmlns:p="http://schemas.openxmlformats.org/presentationml/2006/main">
   <p:cSld>
     <p:spTree>
@@ -3543,7 +3992,7 @@
 </p:sld>
 </file>
 
-<file path=ppt/slides/slide16.xml><?xml version="1.0" encoding="utf-8"?>
+<file path=ppt/slides/slide19.xml><?xml version="1.0" encoding="utf-8"?>
 <p:sld xmlns:a="http://schemas.openxmlformats.org/drawingml/2006/main" xmlns:r="http://schemas.openxmlformats.org/officeDocument/2006/relationships" xmlns:p="http://schemas.openxmlformats.org/presentationml/2006/main">
   <p:cSld>
     <p:spTree>
@@ -3638,7 +4087,78 @@
 </p:sld>
 </file>
 
-<file path=ppt/slides/slide17.xml><?xml version="1.0" encoding="utf-8"?>
+<file path=ppt/slides/slide2.xml><?xml version="1.0" encoding="utf-8"?>
+<p:sld xmlns:a="http://schemas.openxmlformats.org/drawingml/2006/main" xmlns:r="http://schemas.openxmlformats.org/officeDocument/2006/relationships" xmlns:p="http://schemas.openxmlformats.org/presentationml/2006/main">
+  <p:cSld>
+    <p:spTree>
+      <p:nvGrpSpPr>
+        <p:cNvPr id="1" name=""/>
+        <p:cNvGrpSpPr/>
+        <p:nvPr/>
+      </p:nvGrpSpPr>
+      <p:grpSpPr>
+        <a:xfrm>
+          <a:off x="0" y="0"/>
+          <a:ext cx="0" cy="0"/>
+          <a:chOff x="0" y="0"/>
+          <a:chExt cx="0" cy="0"/>
+        </a:xfrm>
+      </p:grpSpPr>
+      <p:sp>
+        <p:nvSpPr>
+          <p:cNvPr id="5" name="標題 4"/>
+          <p:cNvSpPr>
+            <a:spLocks noGrp="1"/>
+          </p:cNvSpPr>
+          <p:nvPr>
+            <p:ph type="title"/>
+          </p:nvPr>
+        </p:nvSpPr>
+        <p:spPr/>
+        <p:txBody>
+          <a:bodyPr/>
+          <a:lstStyle/>
+          <a:p>
+            <a:r>
+              <a:rPr lang="zh-TW" altLang="en-US" dirty="0"/>
+              <a:t>起源</a:t>
+            </a:r>
+          </a:p>
+        </p:txBody>
+      </p:sp>
+      <p:sp>
+        <p:nvSpPr>
+          <p:cNvPr id="6" name="文字版面配置區 5"/>
+          <p:cNvSpPr>
+            <a:spLocks noGrp="1"/>
+          </p:cNvSpPr>
+          <p:nvPr>
+            <p:ph type="body" idx="1"/>
+          </p:nvPr>
+        </p:nvSpPr>
+        <p:spPr/>
+        <p:txBody>
+          <a:bodyPr/>
+          <a:lstStyle/>
+          <a:p>
+            <a:endParaRPr lang="zh-TW" altLang="en-US"/>
+          </a:p>
+        </p:txBody>
+      </p:sp>
+    </p:spTree>
+    <p:extLst>
+      <p:ext uri="{BB962C8B-B14F-4D97-AF65-F5344CB8AC3E}">
+        <p14:creationId xmlns:p14="http://schemas.microsoft.com/office/powerpoint/2010/main" val="2803518394"/>
+      </p:ext>
+    </p:extLst>
+  </p:cSld>
+  <p:clrMapOvr>
+    <a:masterClrMapping/>
+  </p:clrMapOvr>
+</p:sld>
+</file>
+
+<file path=ppt/slides/slide20.xml><?xml version="1.0" encoding="utf-8"?>
 <p:sld xmlns:a="http://schemas.openxmlformats.org/drawingml/2006/main" xmlns:r="http://schemas.openxmlformats.org/officeDocument/2006/relationships" xmlns:p="http://schemas.openxmlformats.org/presentationml/2006/main">
   <p:cSld>
     <p:spTree>
@@ -3703,7 +4223,7 @@
 </p:sld>
 </file>
 
-<file path=ppt/slides/slide18.xml><?xml version="1.0" encoding="utf-8"?>
+<file path=ppt/slides/slide21.xml><?xml version="1.0" encoding="utf-8"?>
 <p:sld xmlns:a="http://schemas.openxmlformats.org/drawingml/2006/main" xmlns:r="http://schemas.openxmlformats.org/officeDocument/2006/relationships" xmlns:p="http://schemas.openxmlformats.org/presentationml/2006/main">
   <p:cSld>
     <p:spTree>
@@ -3768,7 +4288,7 @@
 </p:sld>
 </file>
 
-<file path=ppt/slides/slide19.xml><?xml version="1.0" encoding="utf-8"?>
+<file path=ppt/slides/slide22.xml><?xml version="1.0" encoding="utf-8"?>
 <p:sld xmlns:a="http://schemas.openxmlformats.org/drawingml/2006/main" xmlns:r="http://schemas.openxmlformats.org/officeDocument/2006/relationships" xmlns:p="http://schemas.openxmlformats.org/presentationml/2006/main">
   <p:cSld>
     <p:spTree>
@@ -3833,78 +4353,7 @@
 </p:sld>
 </file>
 
-<file path=ppt/slides/slide2.xml><?xml version="1.0" encoding="utf-8"?>
-<p:sld xmlns:a="http://schemas.openxmlformats.org/drawingml/2006/main" xmlns:r="http://schemas.openxmlformats.org/officeDocument/2006/relationships" xmlns:p="http://schemas.openxmlformats.org/presentationml/2006/main">
-  <p:cSld>
-    <p:spTree>
-      <p:nvGrpSpPr>
-        <p:cNvPr id="1" name=""/>
-        <p:cNvGrpSpPr/>
-        <p:nvPr/>
-      </p:nvGrpSpPr>
-      <p:grpSpPr>
-        <a:xfrm>
-          <a:off x="0" y="0"/>
-          <a:ext cx="0" cy="0"/>
-          <a:chOff x="0" y="0"/>
-          <a:chExt cx="0" cy="0"/>
-        </a:xfrm>
-      </p:grpSpPr>
-      <p:sp>
-        <p:nvSpPr>
-          <p:cNvPr id="5" name="標題 4"/>
-          <p:cNvSpPr>
-            <a:spLocks noGrp="1"/>
-          </p:cNvSpPr>
-          <p:nvPr>
-            <p:ph type="title"/>
-          </p:nvPr>
-        </p:nvSpPr>
-        <p:spPr/>
-        <p:txBody>
-          <a:bodyPr/>
-          <a:lstStyle/>
-          <a:p>
-            <a:r>
-              <a:rPr lang="zh-TW" altLang="en-US" dirty="0"/>
-              <a:t>起源</a:t>
-            </a:r>
-          </a:p>
-        </p:txBody>
-      </p:sp>
-      <p:sp>
-        <p:nvSpPr>
-          <p:cNvPr id="6" name="文字版面配置區 5"/>
-          <p:cNvSpPr>
-            <a:spLocks noGrp="1"/>
-          </p:cNvSpPr>
-          <p:nvPr>
-            <p:ph type="body" idx="1"/>
-          </p:nvPr>
-        </p:nvSpPr>
-        <p:spPr/>
-        <p:txBody>
-          <a:bodyPr/>
-          <a:lstStyle/>
-          <a:p>
-            <a:endParaRPr lang="zh-TW" altLang="en-US"/>
-          </a:p>
-        </p:txBody>
-      </p:sp>
-    </p:spTree>
-    <p:extLst>
-      <p:ext uri="{BB962C8B-B14F-4D97-AF65-F5344CB8AC3E}">
-        <p14:creationId xmlns:p14="http://schemas.microsoft.com/office/powerpoint/2010/main" val="2803518394"/>
-      </p:ext>
-    </p:extLst>
-  </p:cSld>
-  <p:clrMapOvr>
-    <a:masterClrMapping/>
-  </p:clrMapOvr>
-</p:sld>
-</file>
-
-<file path=ppt/slides/slide20.xml><?xml version="1.0" encoding="utf-8"?>
+<file path=ppt/slides/slide23.xml><?xml version="1.0" encoding="utf-8"?>
 <p:sld xmlns:a="http://schemas.openxmlformats.org/drawingml/2006/main" xmlns:r="http://schemas.openxmlformats.org/officeDocument/2006/relationships" xmlns:p="http://schemas.openxmlformats.org/presentationml/2006/main">
   <p:cSld>
     <p:spTree>
@@ -4512,13 +4961,7 @@
       </p:grpSpPr>
       <p:sp>
         <p:nvSpPr>
-          <p:cNvPr id="6" name="標題 5">
-            <a:extLst>
-              <a:ext uri="{FF2B5EF4-FFF2-40B4-BE49-F238E27FC236}">
-                <a16:creationId xmlns:a16="http://schemas.microsoft.com/office/drawing/2014/main" id="{C51B060F-CF29-4C4A-9352-908BE934DDF3}"/>
-              </a:ext>
-            </a:extLst>
-          </p:cNvPr>
+          <p:cNvPr id="2" name="標題 1"/>
           <p:cNvSpPr>
             <a:spLocks noGrp="1"/>
           </p:cNvSpPr>
@@ -4531,24 +4974,22 @@
           <a:bodyPr/>
           <a:lstStyle/>
           <a:p>
+            <a:r>
+              <a:rPr lang="en-US" altLang="zh-TW" dirty="0" smtClean="0"/>
+              <a:t>Data Class</a:t>
+            </a:r>
             <a:endParaRPr lang="zh-TW" altLang="en-US" dirty="0"/>
           </a:p>
         </p:txBody>
       </p:sp>
       <p:sp>
         <p:nvSpPr>
-          <p:cNvPr id="7" name="內容版面配置區 6">
-            <a:extLst>
-              <a:ext uri="{FF2B5EF4-FFF2-40B4-BE49-F238E27FC236}">
-                <a16:creationId xmlns:a16="http://schemas.microsoft.com/office/drawing/2014/main" id="{34DC10D9-81E0-4B66-B1C4-6FD9044738BA}"/>
-              </a:ext>
-            </a:extLst>
-          </p:cNvPr>
-          <p:cNvSpPr>
-            <a:spLocks noGrp="1"/>
-          </p:cNvSpPr>
-          <p:nvPr>
-            <p:ph idx="1"/>
+          <p:cNvPr id="3" name="文字版面配置區 2"/>
+          <p:cNvSpPr>
+            <a:spLocks noGrp="1"/>
+          </p:cNvSpPr>
+          <p:nvPr>
+            <p:ph type="body" idx="1"/>
           </p:nvPr>
         </p:nvSpPr>
         <p:spPr/>
@@ -4563,7 +5004,7 @@
     </p:spTree>
     <p:extLst>
       <p:ext uri="{BB962C8B-B14F-4D97-AF65-F5344CB8AC3E}">
-        <p14:creationId xmlns:p14="http://schemas.microsoft.com/office/powerpoint/2010/main" val="3950632297"/>
+        <p14:creationId xmlns:p14="http://schemas.microsoft.com/office/powerpoint/2010/main" val="3014832198"/>
       </p:ext>
     </p:extLst>
   </p:cSld>

--- a/reff/PPT.pptx
+++ b/reff/PPT.pptx
@@ -18,16 +18,20 @@
     <p:sldId id="280" r:id="rId12"/>
     <p:sldId id="260" r:id="rId13"/>
     <p:sldId id="277" r:id="rId14"/>
-    <p:sldId id="261" r:id="rId15"/>
-    <p:sldId id="268" r:id="rId16"/>
-    <p:sldId id="270" r:id="rId17"/>
-    <p:sldId id="271" r:id="rId18"/>
-    <p:sldId id="272" r:id="rId19"/>
-    <p:sldId id="269" r:id="rId20"/>
-    <p:sldId id="273" r:id="rId21"/>
-    <p:sldId id="274" r:id="rId22"/>
-    <p:sldId id="275" r:id="rId23"/>
-    <p:sldId id="263" r:id="rId24"/>
+    <p:sldId id="281" r:id="rId15"/>
+    <p:sldId id="284" r:id="rId16"/>
+    <p:sldId id="285" r:id="rId17"/>
+    <p:sldId id="282" r:id="rId18"/>
+    <p:sldId id="261" r:id="rId19"/>
+    <p:sldId id="268" r:id="rId20"/>
+    <p:sldId id="270" r:id="rId21"/>
+    <p:sldId id="271" r:id="rId22"/>
+    <p:sldId id="272" r:id="rId23"/>
+    <p:sldId id="269" r:id="rId24"/>
+    <p:sldId id="273" r:id="rId25"/>
+    <p:sldId id="274" r:id="rId26"/>
+    <p:sldId id="275" r:id="rId27"/>
+    <p:sldId id="263" r:id="rId28"/>
   </p:sldIdLst>
   <p:sldSz cx="12192000" cy="6858000"/>
   <p:notesSz cx="6858000" cy="9144000"/>
@@ -144,6 +148,10 @@
             <p14:sldId id="280"/>
             <p14:sldId id="260"/>
             <p14:sldId id="277"/>
+            <p14:sldId id="281"/>
+            <p14:sldId id="284"/>
+            <p14:sldId id="285"/>
+            <p14:sldId id="282"/>
             <p14:sldId id="261"/>
             <p14:sldId id="268"/>
             <p14:sldId id="270"/>
@@ -3640,65 +3648,40 @@
           <a:chExt cx="0" cy="0"/>
         </a:xfrm>
       </p:grpSpPr>
-      <p:sp>
-        <p:nvSpPr>
-          <p:cNvPr id="5" name="標題 4"/>
-          <p:cNvSpPr>
-            <a:spLocks noGrp="1"/>
-          </p:cNvSpPr>
-          <p:nvPr>
-            <p:ph type="title"/>
-          </p:nvPr>
-        </p:nvSpPr>
-        <p:spPr/>
-        <p:txBody>
-          <a:bodyPr/>
-          <a:lstStyle/>
-          <a:p>
-            <a:r>
-              <a:rPr lang="en-US" altLang="zh-TW" dirty="0"/>
-              <a:t>Connection</a:t>
-            </a:r>
-            <a:endParaRPr lang="zh-TW" altLang="en-US" dirty="0"/>
-          </a:p>
-        </p:txBody>
-      </p:sp>
-      <p:sp>
-        <p:nvSpPr>
-          <p:cNvPr id="6" name="文字版面配置區 5"/>
-          <p:cNvSpPr>
-            <a:spLocks noGrp="1"/>
-          </p:cNvSpPr>
-          <p:nvPr>
-            <p:ph type="body" idx="1"/>
-          </p:nvPr>
-        </p:nvSpPr>
-        <p:spPr/>
-        <p:txBody>
-          <a:bodyPr/>
-          <a:lstStyle/>
-          <a:p>
-            <a:endParaRPr lang="zh-TW" altLang="en-US"/>
-          </a:p>
-        </p:txBody>
-      </p:sp>
+      <p:pic>
+        <p:nvPicPr>
+          <p:cNvPr id="2" name="圖片 1"/>
+          <p:cNvPicPr>
+            <a:picLocks noChangeAspect="1"/>
+          </p:cNvPicPr>
+          <p:nvPr/>
+        </p:nvPicPr>
+        <p:blipFill>
+          <a:blip r:embed="rId2"/>
+          <a:stretch>
+            <a:fillRect/>
+          </a:stretch>
+        </p:blipFill>
+        <p:spPr>
+          <a:xfrm>
+            <a:off x="3414338" y="747338"/>
+            <a:ext cx="5363323" cy="5363323"/>
+          </a:xfrm>
+          <a:prstGeom prst="rect">
+            <a:avLst/>
+          </a:prstGeom>
+        </p:spPr>
+      </p:pic>
     </p:spTree>
     <p:extLst>
       <p:ext uri="{BB962C8B-B14F-4D97-AF65-F5344CB8AC3E}">
-        <p14:creationId xmlns:p14="http://schemas.microsoft.com/office/powerpoint/2010/main" val="2087182266"/>
+        <p14:creationId xmlns:p14="http://schemas.microsoft.com/office/powerpoint/2010/main" val="979913133"/>
       </p:ext>
     </p:extLst>
   </p:cSld>
   <p:clrMapOvr>
     <a:masterClrMapping/>
   </p:clrMapOvr>
-  <p:timing>
-    <p:tnLst>
-      <p:par>
-        <p:cTn id="1" dur="indefinite" restart="never" nodeType="tmRoot"/>
-      </p:par>
-    </p:tnLst>
-  </p:timing>
 </p:sld>
 </file>
 
@@ -3719,75 +3702,33 @@
           <a:chExt cx="0" cy="0"/>
         </a:xfrm>
       </p:grpSpPr>
-      <p:sp>
-        <p:nvSpPr>
-          <p:cNvPr id="6" name="標題 5">
-            <a:extLst>
-              <a:ext uri="{FF2B5EF4-FFF2-40B4-BE49-F238E27FC236}">
-                <a16:creationId xmlns:a16="http://schemas.microsoft.com/office/drawing/2014/main" id="{8643A422-43CC-4EC4-8B35-2A07B580206C}"/>
-              </a:ext>
-            </a:extLst>
-          </p:cNvPr>
-          <p:cNvSpPr>
-            <a:spLocks noGrp="1"/>
-          </p:cNvSpPr>
-          <p:nvPr>
-            <p:ph type="title"/>
-          </p:nvPr>
-        </p:nvSpPr>
-        <p:spPr/>
-        <p:txBody>
-          <a:bodyPr/>
-          <a:lstStyle/>
-          <a:p>
-            <a:pPr algn="ctr"/>
-            <a:r>
-              <a:rPr lang="en-US" altLang="zh-TW"/>
-              <a:t>server</a:t>
-            </a:r>
-            <a:endParaRPr lang="zh-TW" altLang="en-US" dirty="0"/>
-          </a:p>
-        </p:txBody>
-      </p:sp>
       <p:pic>
         <p:nvPicPr>
-          <p:cNvPr id="10" name="內容版面配置區 9" descr="一張含有 文字 的圖片&#10;&#10;自動產生的描述">
-            <a:extLst>
-              <a:ext uri="{FF2B5EF4-FFF2-40B4-BE49-F238E27FC236}">
-                <a16:creationId xmlns:a16="http://schemas.microsoft.com/office/drawing/2014/main" id="{5F96CE9F-3725-482F-A10C-D45D18B71CDF}"/>
-              </a:ext>
-            </a:extLst>
-          </p:cNvPr>
+          <p:cNvPr id="2" name="圖片 1"/>
           <p:cNvPicPr>
-            <a:picLocks noGrp="1" noChangeAspect="1"/>
+            <a:picLocks noChangeAspect="1"/>
           </p:cNvPicPr>
-          <p:nvPr>
-            <p:ph idx="1"/>
-          </p:nvPr>
+          <p:nvPr/>
         </p:nvPicPr>
-        <p:blipFill>
-          <a:blip r:embed="rId2">
-            <a:extLst>
-              <a:ext uri="{28A0092B-C50C-407E-A947-70E740481C1C}">
-                <a14:useLocalDpi xmlns:a14="http://schemas.microsoft.com/office/drawing/2010/main" val="0"/>
-              </a:ext>
-            </a:extLst>
-          </a:blip>
-          <a:stretch>
-            <a:fillRect/>
-          </a:stretch>
+        <p:blipFill rotWithShape="1">
+          <a:blip r:embed="rId2"/>
+          <a:srcRect l="1425"/>
+          <a:stretch/>
         </p:blipFill>
         <p:spPr>
           <a:xfrm>
-            <a:off x="1781452" y="2123344"/>
-            <a:ext cx="8629096" cy="2611311"/>
+            <a:off x="3439886" y="585146"/>
+            <a:ext cx="5390170" cy="5287113"/>
           </a:xfrm>
+          <a:prstGeom prst="rect">
+            <a:avLst/>
+          </a:prstGeom>
         </p:spPr>
       </p:pic>
     </p:spTree>
     <p:extLst>
       <p:ext uri="{BB962C8B-B14F-4D97-AF65-F5344CB8AC3E}">
-        <p14:creationId xmlns:p14="http://schemas.microsoft.com/office/powerpoint/2010/main" val="4035188907"/>
+        <p14:creationId xmlns:p14="http://schemas.microsoft.com/office/powerpoint/2010/main" val="615241476"/>
       </p:ext>
     </p:extLst>
   </p:cSld>
@@ -3816,43 +3757,56 @@
       </p:grpSpPr>
       <p:pic>
         <p:nvPicPr>
-          <p:cNvPr id="5" name="內容版面配置區 4" descr="一張含有 文字 的圖片&#10;&#10;自動產生的描述">
-            <a:extLst>
-              <a:ext uri="{FF2B5EF4-FFF2-40B4-BE49-F238E27FC236}">
-                <a16:creationId xmlns:a16="http://schemas.microsoft.com/office/drawing/2014/main" id="{2AE9ED91-AB7E-49EB-B453-E3C0D1F54EBB}"/>
-              </a:ext>
-            </a:extLst>
-          </p:cNvPr>
+          <p:cNvPr id="2" name="圖片 1"/>
           <p:cNvPicPr>
-            <a:picLocks noGrp="1" noChangeAspect="1"/>
+            <a:picLocks noChangeAspect="1"/>
           </p:cNvPicPr>
-          <p:nvPr>
-            <p:ph idx="1"/>
-          </p:nvPr>
+          <p:nvPr/>
         </p:nvPicPr>
         <p:blipFill>
-          <a:blip r:embed="rId2">
-            <a:extLst>
-              <a:ext uri="{28A0092B-C50C-407E-A947-70E740481C1C}">
-                <a14:useLocalDpi xmlns:a14="http://schemas.microsoft.com/office/drawing/2010/main" val="0"/>
-              </a:ext>
-            </a:extLst>
-          </a:blip>
+          <a:blip r:embed="rId2"/>
           <a:stretch>
             <a:fillRect/>
           </a:stretch>
         </p:blipFill>
         <p:spPr>
           <a:xfrm>
-            <a:off x="1577501" y="559391"/>
-            <a:ext cx="9036997" cy="5739218"/>
+            <a:off x="3971055" y="3105105"/>
+            <a:ext cx="4667901" cy="647790"/>
           </a:xfrm>
+          <a:prstGeom prst="rect">
+            <a:avLst/>
+          </a:prstGeom>
+        </p:spPr>
+      </p:pic>
+      <p:pic>
+        <p:nvPicPr>
+          <p:cNvPr id="3" name="圖片 2"/>
+          <p:cNvPicPr>
+            <a:picLocks noChangeAspect="1"/>
+          </p:cNvPicPr>
+          <p:nvPr/>
+        </p:nvPicPr>
+        <p:blipFill>
+          <a:blip r:embed="rId3"/>
+          <a:stretch>
+            <a:fillRect/>
+          </a:stretch>
+        </p:blipFill>
+        <p:spPr>
+          <a:xfrm>
+            <a:off x="3635236" y="2508068"/>
+            <a:ext cx="5339537" cy="447153"/>
+          </a:xfrm>
+          <a:prstGeom prst="rect">
+            <a:avLst/>
+          </a:prstGeom>
         </p:spPr>
       </p:pic>
     </p:spTree>
     <p:extLst>
       <p:ext uri="{BB962C8B-B14F-4D97-AF65-F5344CB8AC3E}">
-        <p14:creationId xmlns:p14="http://schemas.microsoft.com/office/powerpoint/2010/main" val="2630256639"/>
+        <p14:creationId xmlns:p14="http://schemas.microsoft.com/office/powerpoint/2010/main" val="3183218287"/>
       </p:ext>
     </p:extLst>
   </p:cSld>
@@ -3881,43 +3835,55 @@
       </p:grpSpPr>
       <p:pic>
         <p:nvPicPr>
-          <p:cNvPr id="5" name="內容版面配置區 4" descr="一張含有 文字 的圖片&#10;&#10;自動產生的描述">
-            <a:extLst>
-              <a:ext uri="{FF2B5EF4-FFF2-40B4-BE49-F238E27FC236}">
-                <a16:creationId xmlns:a16="http://schemas.microsoft.com/office/drawing/2014/main" id="{B356917C-B778-4529-BAE0-DB875A7CEBE3}"/>
-              </a:ext>
-            </a:extLst>
-          </p:cNvPr>
+          <p:cNvPr id="3" name="圖片 2"/>
           <p:cNvPicPr>
-            <a:picLocks noGrp="1" noChangeAspect="1"/>
+            <a:picLocks noChangeAspect="1"/>
           </p:cNvPicPr>
-          <p:nvPr>
-            <p:ph idx="1"/>
-          </p:nvPr>
+          <p:nvPr/>
+        </p:nvPicPr>
+        <p:blipFill rotWithShape="1">
+          <a:blip r:embed="rId2"/>
+          <a:srcRect l="2214" b="1686"/>
+          <a:stretch/>
+        </p:blipFill>
+        <p:spPr>
+          <a:xfrm>
+            <a:off x="339634" y="557242"/>
+            <a:ext cx="5328393" cy="5338460"/>
+          </a:xfrm>
+          <a:prstGeom prst="rect">
+            <a:avLst/>
+          </a:prstGeom>
+        </p:spPr>
+      </p:pic>
+      <p:pic>
+        <p:nvPicPr>
+          <p:cNvPr id="4" name="圖片 3"/>
+          <p:cNvPicPr>
+            <a:picLocks noChangeAspect="1"/>
+          </p:cNvPicPr>
+          <p:nvPr/>
         </p:nvPicPr>
         <p:blipFill>
-          <a:blip r:embed="rId2">
-            <a:extLst>
-              <a:ext uri="{28A0092B-C50C-407E-A947-70E740481C1C}">
-                <a14:useLocalDpi xmlns:a14="http://schemas.microsoft.com/office/drawing/2010/main" val="0"/>
-              </a:ext>
-            </a:extLst>
-          </a:blip>
+          <a:blip r:embed="rId3"/>
           <a:stretch>
             <a:fillRect/>
           </a:stretch>
         </p:blipFill>
         <p:spPr>
           <a:xfrm>
-            <a:off x="1334310" y="680807"/>
-            <a:ext cx="9523379" cy="5496386"/>
+            <a:off x="6489281" y="557242"/>
+            <a:ext cx="5344271" cy="5296639"/>
           </a:xfrm>
+          <a:prstGeom prst="rect">
+            <a:avLst/>
+          </a:prstGeom>
         </p:spPr>
       </p:pic>
     </p:spTree>
     <p:extLst>
       <p:ext uri="{BB962C8B-B14F-4D97-AF65-F5344CB8AC3E}">
-        <p14:creationId xmlns:p14="http://schemas.microsoft.com/office/powerpoint/2010/main" val="2198233371"/>
+        <p14:creationId xmlns:p14="http://schemas.microsoft.com/office/powerpoint/2010/main" val="2363300363"/>
       </p:ext>
     </p:extLst>
   </p:cSld>
@@ -3944,51 +3910,65 @@
           <a:chExt cx="0" cy="0"/>
         </a:xfrm>
       </p:grpSpPr>
-      <p:pic>
-        <p:nvPicPr>
-          <p:cNvPr id="5" name="內容版面配置區 4" descr="一張含有 文字 的圖片&#10;&#10;自動產生的描述">
-            <a:extLst>
-              <a:ext uri="{FF2B5EF4-FFF2-40B4-BE49-F238E27FC236}">
-                <a16:creationId xmlns:a16="http://schemas.microsoft.com/office/drawing/2014/main" id="{0F85239A-72C3-4DEA-992C-A724BB411C3F}"/>
-              </a:ext>
-            </a:extLst>
-          </p:cNvPr>
-          <p:cNvPicPr>
-            <a:picLocks noGrp="1" noChangeAspect="1"/>
-          </p:cNvPicPr>
-          <p:nvPr>
-            <p:ph idx="1"/>
-          </p:nvPr>
-        </p:nvPicPr>
-        <p:blipFill>
-          <a:blip r:embed="rId2">
-            <a:extLst>
-              <a:ext uri="{28A0092B-C50C-407E-A947-70E740481C1C}">
-                <a14:useLocalDpi xmlns:a14="http://schemas.microsoft.com/office/drawing/2010/main" val="0"/>
-              </a:ext>
-            </a:extLst>
-          </a:blip>
-          <a:stretch>
-            <a:fillRect/>
-          </a:stretch>
-        </p:blipFill>
-        <p:spPr>
-          <a:xfrm>
-            <a:off x="1417405" y="-126061"/>
-            <a:ext cx="11126742" cy="6505132"/>
-          </a:xfrm>
-        </p:spPr>
-      </p:pic>
+      <p:sp>
+        <p:nvSpPr>
+          <p:cNvPr id="5" name="標題 4"/>
+          <p:cNvSpPr>
+            <a:spLocks noGrp="1"/>
+          </p:cNvSpPr>
+          <p:nvPr>
+            <p:ph type="title"/>
+          </p:nvPr>
+        </p:nvSpPr>
+        <p:spPr/>
+        <p:txBody>
+          <a:bodyPr/>
+          <a:lstStyle/>
+          <a:p>
+            <a:r>
+              <a:rPr lang="en-US" altLang="zh-TW" dirty="0"/>
+              <a:t>Connection</a:t>
+            </a:r>
+            <a:endParaRPr lang="zh-TW" altLang="en-US" dirty="0"/>
+          </a:p>
+        </p:txBody>
+      </p:sp>
+      <p:sp>
+        <p:nvSpPr>
+          <p:cNvPr id="6" name="文字版面配置區 5"/>
+          <p:cNvSpPr>
+            <a:spLocks noGrp="1"/>
+          </p:cNvSpPr>
+          <p:nvPr>
+            <p:ph type="body" idx="1"/>
+          </p:nvPr>
+        </p:nvSpPr>
+        <p:spPr/>
+        <p:txBody>
+          <a:bodyPr/>
+          <a:lstStyle/>
+          <a:p>
+            <a:endParaRPr lang="zh-TW" altLang="en-US"/>
+          </a:p>
+        </p:txBody>
+      </p:sp>
     </p:spTree>
     <p:extLst>
       <p:ext uri="{BB962C8B-B14F-4D97-AF65-F5344CB8AC3E}">
-        <p14:creationId xmlns:p14="http://schemas.microsoft.com/office/powerpoint/2010/main" val="1262667834"/>
+        <p14:creationId xmlns:p14="http://schemas.microsoft.com/office/powerpoint/2010/main" val="2087182266"/>
       </p:ext>
     </p:extLst>
   </p:cSld>
   <p:clrMapOvr>
     <a:masterClrMapping/>
   </p:clrMapOvr>
+  <p:timing>
+    <p:tnLst>
+      <p:par>
+        <p:cTn id="1" dur="indefinite" restart="never" nodeType="tmRoot"/>
+      </p:par>
+    </p:tnLst>
+  </p:timing>
 </p:sld>
 </file>
 
@@ -4011,10 +3991,10 @@
       </p:grpSpPr>
       <p:sp>
         <p:nvSpPr>
-          <p:cNvPr id="2" name="標題 1">
+          <p:cNvPr id="6" name="標題 5">
             <a:extLst>
               <a:ext uri="{FF2B5EF4-FFF2-40B4-BE49-F238E27FC236}">
-                <a16:creationId xmlns:a16="http://schemas.microsoft.com/office/drawing/2014/main" id="{C6E1244A-7490-4F37-9E34-89819D5C08E9}"/>
+                <a16:creationId xmlns:a16="http://schemas.microsoft.com/office/drawing/2014/main" id="{8643A422-43CC-4EC4-8B35-2A07B580206C}"/>
               </a:ext>
             </a:extLst>
           </p:cNvPr>
@@ -4032,8 +4012,8 @@
           <a:p>
             <a:pPr algn="ctr"/>
             <a:r>
-              <a:rPr lang="en-US" altLang="zh-TW" dirty="0"/>
-              <a:t>client</a:t>
+              <a:rPr lang="en-US" altLang="zh-TW"/>
+              <a:t>server</a:t>
             </a:r>
             <a:endParaRPr lang="zh-TW" altLang="en-US" dirty="0"/>
           </a:p>
@@ -4041,10 +4021,10 @@
       </p:sp>
       <p:pic>
         <p:nvPicPr>
-          <p:cNvPr id="5" name="內容版面配置區 4" descr="一張含有 文字 的圖片&#10;&#10;自動產生的描述">
+          <p:cNvPr id="10" name="內容版面配置區 9" descr="一張含有 文字 的圖片&#10;&#10;自動產生的描述">
             <a:extLst>
               <a:ext uri="{FF2B5EF4-FFF2-40B4-BE49-F238E27FC236}">
-                <a16:creationId xmlns:a16="http://schemas.microsoft.com/office/drawing/2014/main" id="{E773C931-0BD9-4ACF-8F16-159B03FD8C35}"/>
+                <a16:creationId xmlns:a16="http://schemas.microsoft.com/office/drawing/2014/main" id="{5F96CE9F-3725-482F-A10C-D45D18B71CDF}"/>
               </a:ext>
             </a:extLst>
           </p:cNvPr>
@@ -4069,15 +4049,15 @@
         </p:blipFill>
         <p:spPr>
           <a:xfrm>
-            <a:off x="1368358" y="1690688"/>
-            <a:ext cx="9455284" cy="4036979"/>
+            <a:off x="1781452" y="2123344"/>
+            <a:ext cx="8629096" cy="2611311"/>
           </a:xfrm>
         </p:spPr>
       </p:pic>
     </p:spTree>
     <p:extLst>
       <p:ext uri="{BB962C8B-B14F-4D97-AF65-F5344CB8AC3E}">
-        <p14:creationId xmlns:p14="http://schemas.microsoft.com/office/powerpoint/2010/main" val="671913653"/>
+        <p14:creationId xmlns:p14="http://schemas.microsoft.com/office/powerpoint/2010/main" val="4035188907"/>
       </p:ext>
     </p:extLst>
   </p:cSld>
@@ -4180,6 +4160,296 @@
           <p:cNvPr id="5" name="內容版面配置區 4" descr="一張含有 文字 的圖片&#10;&#10;自動產生的描述">
             <a:extLst>
               <a:ext uri="{FF2B5EF4-FFF2-40B4-BE49-F238E27FC236}">
+                <a16:creationId xmlns:a16="http://schemas.microsoft.com/office/drawing/2014/main" id="{2AE9ED91-AB7E-49EB-B453-E3C0D1F54EBB}"/>
+              </a:ext>
+            </a:extLst>
+          </p:cNvPr>
+          <p:cNvPicPr>
+            <a:picLocks noGrp="1" noChangeAspect="1"/>
+          </p:cNvPicPr>
+          <p:nvPr>
+            <p:ph idx="1"/>
+          </p:nvPr>
+        </p:nvPicPr>
+        <p:blipFill>
+          <a:blip r:embed="rId2">
+            <a:extLst>
+              <a:ext uri="{28A0092B-C50C-407E-A947-70E740481C1C}">
+                <a14:useLocalDpi xmlns:a14="http://schemas.microsoft.com/office/drawing/2010/main" val="0"/>
+              </a:ext>
+            </a:extLst>
+          </a:blip>
+          <a:stretch>
+            <a:fillRect/>
+          </a:stretch>
+        </p:blipFill>
+        <p:spPr>
+          <a:xfrm>
+            <a:off x="1577501" y="559391"/>
+            <a:ext cx="9036997" cy="5739218"/>
+          </a:xfrm>
+        </p:spPr>
+      </p:pic>
+    </p:spTree>
+    <p:extLst>
+      <p:ext uri="{BB962C8B-B14F-4D97-AF65-F5344CB8AC3E}">
+        <p14:creationId xmlns:p14="http://schemas.microsoft.com/office/powerpoint/2010/main" val="2630256639"/>
+      </p:ext>
+    </p:extLst>
+  </p:cSld>
+  <p:clrMapOvr>
+    <a:masterClrMapping/>
+  </p:clrMapOvr>
+</p:sld>
+</file>
+
+<file path=ppt/slides/slide21.xml><?xml version="1.0" encoding="utf-8"?>
+<p:sld xmlns:a="http://schemas.openxmlformats.org/drawingml/2006/main" xmlns:r="http://schemas.openxmlformats.org/officeDocument/2006/relationships" xmlns:p="http://schemas.openxmlformats.org/presentationml/2006/main">
+  <p:cSld>
+    <p:spTree>
+      <p:nvGrpSpPr>
+        <p:cNvPr id="1" name=""/>
+        <p:cNvGrpSpPr/>
+        <p:nvPr/>
+      </p:nvGrpSpPr>
+      <p:grpSpPr>
+        <a:xfrm>
+          <a:off x="0" y="0"/>
+          <a:ext cx="0" cy="0"/>
+          <a:chOff x="0" y="0"/>
+          <a:chExt cx="0" cy="0"/>
+        </a:xfrm>
+      </p:grpSpPr>
+      <p:pic>
+        <p:nvPicPr>
+          <p:cNvPr id="5" name="內容版面配置區 4" descr="一張含有 文字 的圖片&#10;&#10;自動產生的描述">
+            <a:extLst>
+              <a:ext uri="{FF2B5EF4-FFF2-40B4-BE49-F238E27FC236}">
+                <a16:creationId xmlns:a16="http://schemas.microsoft.com/office/drawing/2014/main" id="{B356917C-B778-4529-BAE0-DB875A7CEBE3}"/>
+              </a:ext>
+            </a:extLst>
+          </p:cNvPr>
+          <p:cNvPicPr>
+            <a:picLocks noGrp="1" noChangeAspect="1"/>
+          </p:cNvPicPr>
+          <p:nvPr>
+            <p:ph idx="1"/>
+          </p:nvPr>
+        </p:nvPicPr>
+        <p:blipFill>
+          <a:blip r:embed="rId2">
+            <a:extLst>
+              <a:ext uri="{28A0092B-C50C-407E-A947-70E740481C1C}">
+                <a14:useLocalDpi xmlns:a14="http://schemas.microsoft.com/office/drawing/2010/main" val="0"/>
+              </a:ext>
+            </a:extLst>
+          </a:blip>
+          <a:stretch>
+            <a:fillRect/>
+          </a:stretch>
+        </p:blipFill>
+        <p:spPr>
+          <a:xfrm>
+            <a:off x="1334310" y="680807"/>
+            <a:ext cx="9523379" cy="5496386"/>
+          </a:xfrm>
+        </p:spPr>
+      </p:pic>
+    </p:spTree>
+    <p:extLst>
+      <p:ext uri="{BB962C8B-B14F-4D97-AF65-F5344CB8AC3E}">
+        <p14:creationId xmlns:p14="http://schemas.microsoft.com/office/powerpoint/2010/main" val="2198233371"/>
+      </p:ext>
+    </p:extLst>
+  </p:cSld>
+  <p:clrMapOvr>
+    <a:masterClrMapping/>
+  </p:clrMapOvr>
+</p:sld>
+</file>
+
+<file path=ppt/slides/slide22.xml><?xml version="1.0" encoding="utf-8"?>
+<p:sld xmlns:a="http://schemas.openxmlformats.org/drawingml/2006/main" xmlns:r="http://schemas.openxmlformats.org/officeDocument/2006/relationships" xmlns:p="http://schemas.openxmlformats.org/presentationml/2006/main">
+  <p:cSld>
+    <p:spTree>
+      <p:nvGrpSpPr>
+        <p:cNvPr id="1" name=""/>
+        <p:cNvGrpSpPr/>
+        <p:nvPr/>
+      </p:nvGrpSpPr>
+      <p:grpSpPr>
+        <a:xfrm>
+          <a:off x="0" y="0"/>
+          <a:ext cx="0" cy="0"/>
+          <a:chOff x="0" y="0"/>
+          <a:chExt cx="0" cy="0"/>
+        </a:xfrm>
+      </p:grpSpPr>
+      <p:pic>
+        <p:nvPicPr>
+          <p:cNvPr id="5" name="內容版面配置區 4" descr="一張含有 文字 的圖片&#10;&#10;自動產生的描述">
+            <a:extLst>
+              <a:ext uri="{FF2B5EF4-FFF2-40B4-BE49-F238E27FC236}">
+                <a16:creationId xmlns:a16="http://schemas.microsoft.com/office/drawing/2014/main" id="{0F85239A-72C3-4DEA-992C-A724BB411C3F}"/>
+              </a:ext>
+            </a:extLst>
+          </p:cNvPr>
+          <p:cNvPicPr>
+            <a:picLocks noGrp="1" noChangeAspect="1"/>
+          </p:cNvPicPr>
+          <p:nvPr>
+            <p:ph idx="1"/>
+          </p:nvPr>
+        </p:nvPicPr>
+        <p:blipFill>
+          <a:blip r:embed="rId2">
+            <a:extLst>
+              <a:ext uri="{28A0092B-C50C-407E-A947-70E740481C1C}">
+                <a14:useLocalDpi xmlns:a14="http://schemas.microsoft.com/office/drawing/2010/main" val="0"/>
+              </a:ext>
+            </a:extLst>
+          </a:blip>
+          <a:stretch>
+            <a:fillRect/>
+          </a:stretch>
+        </p:blipFill>
+        <p:spPr>
+          <a:xfrm>
+            <a:off x="1417405" y="-126061"/>
+            <a:ext cx="11126742" cy="6505132"/>
+          </a:xfrm>
+        </p:spPr>
+      </p:pic>
+    </p:spTree>
+    <p:extLst>
+      <p:ext uri="{BB962C8B-B14F-4D97-AF65-F5344CB8AC3E}">
+        <p14:creationId xmlns:p14="http://schemas.microsoft.com/office/powerpoint/2010/main" val="1262667834"/>
+      </p:ext>
+    </p:extLst>
+  </p:cSld>
+  <p:clrMapOvr>
+    <a:masterClrMapping/>
+  </p:clrMapOvr>
+</p:sld>
+</file>
+
+<file path=ppt/slides/slide23.xml><?xml version="1.0" encoding="utf-8"?>
+<p:sld xmlns:a="http://schemas.openxmlformats.org/drawingml/2006/main" xmlns:r="http://schemas.openxmlformats.org/officeDocument/2006/relationships" xmlns:p="http://schemas.openxmlformats.org/presentationml/2006/main">
+  <p:cSld>
+    <p:spTree>
+      <p:nvGrpSpPr>
+        <p:cNvPr id="1" name=""/>
+        <p:cNvGrpSpPr/>
+        <p:nvPr/>
+      </p:nvGrpSpPr>
+      <p:grpSpPr>
+        <a:xfrm>
+          <a:off x="0" y="0"/>
+          <a:ext cx="0" cy="0"/>
+          <a:chOff x="0" y="0"/>
+          <a:chExt cx="0" cy="0"/>
+        </a:xfrm>
+      </p:grpSpPr>
+      <p:sp>
+        <p:nvSpPr>
+          <p:cNvPr id="2" name="標題 1">
+            <a:extLst>
+              <a:ext uri="{FF2B5EF4-FFF2-40B4-BE49-F238E27FC236}">
+                <a16:creationId xmlns:a16="http://schemas.microsoft.com/office/drawing/2014/main" id="{C6E1244A-7490-4F37-9E34-89819D5C08E9}"/>
+              </a:ext>
+            </a:extLst>
+          </p:cNvPr>
+          <p:cNvSpPr>
+            <a:spLocks noGrp="1"/>
+          </p:cNvSpPr>
+          <p:nvPr>
+            <p:ph type="title"/>
+          </p:nvPr>
+        </p:nvSpPr>
+        <p:spPr/>
+        <p:txBody>
+          <a:bodyPr/>
+          <a:lstStyle/>
+          <a:p>
+            <a:pPr algn="ctr"/>
+            <a:r>
+              <a:rPr lang="en-US" altLang="zh-TW" dirty="0"/>
+              <a:t>client</a:t>
+            </a:r>
+            <a:endParaRPr lang="zh-TW" altLang="en-US" dirty="0"/>
+          </a:p>
+        </p:txBody>
+      </p:sp>
+      <p:pic>
+        <p:nvPicPr>
+          <p:cNvPr id="5" name="內容版面配置區 4" descr="一張含有 文字 的圖片&#10;&#10;自動產生的描述">
+            <a:extLst>
+              <a:ext uri="{FF2B5EF4-FFF2-40B4-BE49-F238E27FC236}">
+                <a16:creationId xmlns:a16="http://schemas.microsoft.com/office/drawing/2014/main" id="{E773C931-0BD9-4ACF-8F16-159B03FD8C35}"/>
+              </a:ext>
+            </a:extLst>
+          </p:cNvPr>
+          <p:cNvPicPr>
+            <a:picLocks noGrp="1" noChangeAspect="1"/>
+          </p:cNvPicPr>
+          <p:nvPr>
+            <p:ph idx="1"/>
+          </p:nvPr>
+        </p:nvPicPr>
+        <p:blipFill>
+          <a:blip r:embed="rId2">
+            <a:extLst>
+              <a:ext uri="{28A0092B-C50C-407E-A947-70E740481C1C}">
+                <a14:useLocalDpi xmlns:a14="http://schemas.microsoft.com/office/drawing/2010/main" val="0"/>
+              </a:ext>
+            </a:extLst>
+          </a:blip>
+          <a:stretch>
+            <a:fillRect/>
+          </a:stretch>
+        </p:blipFill>
+        <p:spPr>
+          <a:xfrm>
+            <a:off x="1368358" y="1690688"/>
+            <a:ext cx="9455284" cy="4036979"/>
+          </a:xfrm>
+        </p:spPr>
+      </p:pic>
+    </p:spTree>
+    <p:extLst>
+      <p:ext uri="{BB962C8B-B14F-4D97-AF65-F5344CB8AC3E}">
+        <p14:creationId xmlns:p14="http://schemas.microsoft.com/office/powerpoint/2010/main" val="671913653"/>
+      </p:ext>
+    </p:extLst>
+  </p:cSld>
+  <p:clrMapOvr>
+    <a:masterClrMapping/>
+  </p:clrMapOvr>
+</p:sld>
+</file>
+
+<file path=ppt/slides/slide24.xml><?xml version="1.0" encoding="utf-8"?>
+<p:sld xmlns:a="http://schemas.openxmlformats.org/drawingml/2006/main" xmlns:r="http://schemas.openxmlformats.org/officeDocument/2006/relationships" xmlns:p="http://schemas.openxmlformats.org/presentationml/2006/main">
+  <p:cSld>
+    <p:spTree>
+      <p:nvGrpSpPr>
+        <p:cNvPr id="1" name=""/>
+        <p:cNvGrpSpPr/>
+        <p:nvPr/>
+      </p:nvGrpSpPr>
+      <p:grpSpPr>
+        <a:xfrm>
+          <a:off x="0" y="0"/>
+          <a:ext cx="0" cy="0"/>
+          <a:chOff x="0" y="0"/>
+          <a:chExt cx="0" cy="0"/>
+        </a:xfrm>
+      </p:grpSpPr>
+      <p:pic>
+        <p:nvPicPr>
+          <p:cNvPr id="5" name="內容版面配置區 4" descr="一張含有 文字 的圖片&#10;&#10;自動產生的描述">
+            <a:extLst>
+              <a:ext uri="{FF2B5EF4-FFF2-40B4-BE49-F238E27FC236}">
                 <a16:creationId xmlns:a16="http://schemas.microsoft.com/office/drawing/2014/main" id="{2101F65D-4CEB-4BA7-A0DD-B356BF4B4228}"/>
               </a:ext>
             </a:extLst>
@@ -4223,7 +4493,7 @@
 </p:sld>
 </file>
 
-<file path=ppt/slides/slide21.xml><?xml version="1.0" encoding="utf-8"?>
+<file path=ppt/slides/slide25.xml><?xml version="1.0" encoding="utf-8"?>
 <p:sld xmlns:a="http://schemas.openxmlformats.org/drawingml/2006/main" xmlns:r="http://schemas.openxmlformats.org/officeDocument/2006/relationships" xmlns:p="http://schemas.openxmlformats.org/presentationml/2006/main">
   <p:cSld>
     <p:spTree>
@@ -4288,7 +4558,7 @@
 </p:sld>
 </file>
 
-<file path=ppt/slides/slide22.xml><?xml version="1.0" encoding="utf-8"?>
+<file path=ppt/slides/slide26.xml><?xml version="1.0" encoding="utf-8"?>
 <p:sld xmlns:a="http://schemas.openxmlformats.org/drawingml/2006/main" xmlns:r="http://schemas.openxmlformats.org/officeDocument/2006/relationships" xmlns:p="http://schemas.openxmlformats.org/presentationml/2006/main">
   <p:cSld>
     <p:spTree>
@@ -4353,7 +4623,7 @@
 </p:sld>
 </file>
 
-<file path=ppt/slides/slide23.xml><?xml version="1.0" encoding="utf-8"?>
+<file path=ppt/slides/slide27.xml><?xml version="1.0" encoding="utf-8"?>
 <p:sld xmlns:a="http://schemas.openxmlformats.org/drawingml/2006/main" xmlns:r="http://schemas.openxmlformats.org/officeDocument/2006/relationships" xmlns:p="http://schemas.openxmlformats.org/presentationml/2006/main">
   <p:cSld>
     <p:spTree>
